--- a/Powercli/VMwareExplore_2024/PowerCLI_201/CODE1744LV - PowerCLI 201 - From the Shell to Writing Scripts.pptx
+++ b/Powercli/VMwareExplore_2024/PowerCLI_201/CODE1744LV - PowerCLI 201 - From the Shell to Writing Scripts.pptx
@@ -5,10 +5,10 @@
     <p:sldMasterId id="2147483937" r:id="rId4"/>
   </p:sldMasterIdLst>
   <p:notesMasterIdLst>
-    <p:notesMasterId r:id="rId29"/>
+    <p:notesMasterId r:id="rId30"/>
   </p:notesMasterIdLst>
   <p:handoutMasterIdLst>
-    <p:handoutMasterId r:id="rId30"/>
+    <p:handoutMasterId r:id="rId31"/>
   </p:handoutMasterIdLst>
   <p:sldIdLst>
     <p:sldId id="2147470582" r:id="rId5"/>
@@ -34,12 +34,13 @@
     <p:sldId id="2147470609" r:id="rId25"/>
     <p:sldId id="2147470611" r:id="rId26"/>
     <p:sldId id="2147470592" r:id="rId27"/>
-    <p:sldId id="2026819541" r:id="rId28"/>
+    <p:sldId id="2147470612" r:id="rId28"/>
+    <p:sldId id="2026819541" r:id="rId29"/>
   </p:sldIdLst>
   <p:sldSz cx="12188825" cy="6858000"/>
   <p:notesSz cx="6858000" cy="9144000"/>
   <p:custDataLst>
-    <p:tags r:id="rId31"/>
+    <p:tags r:id="rId32"/>
   </p:custDataLst>
   <p:defaultTextStyle>
     <a:defPPr>
@@ -167,6 +168,7 @@
             <p14:sldId id="2147470609"/>
             <p14:sldId id="2147470611"/>
             <p14:sldId id="2147470592"/>
+            <p14:sldId id="2147470612"/>
             <p14:sldId id="2026819541"/>
           </p14:sldIdLst>
         </p14:section>
@@ -295,7 +297,7 @@
               <a:rPr lang="en-US" smtClean="0">
                 <a:latin typeface="Metropolis" panose="00000500000000000000" pitchFamily="50" charset="0"/>
               </a:rPr>
-              <a:t>8/18/2024</a:t>
+              <a:t>8/26/2024</a:t>
             </a:fld>
             <a:endParaRPr lang="en-US">
               <a:latin typeface="Metropolis" panose="00000500000000000000" pitchFamily="50" charset="0"/>
@@ -473,7 +475,7 @@
             <a:fld id="{3CB6F0DB-E055-41D0-9102-627A646E4242}" type="datetimeFigureOut">
               <a:rPr lang="en-US" smtClean="0"/>
               <a:pPr/>
-              <a:t>8/18/2024</a:t>
+              <a:t>8/26/2024</a:t>
             </a:fld>
             <a:endParaRPr lang="en-US"/>
           </a:p>
@@ -886,7 +888,7 @@
           <a:blip r:embed="rId3">
             <a:extLst>
               <a:ext uri="{96DAC541-7B7A-43D3-8B79-37D633B846F1}">
-                <asvg:svgBlip xmlns="" xmlns:asvg="http://schemas.microsoft.com/office/drawing/2016/SVG/main" r:embed="rId4"/>
+                <asvg:svgBlip xmlns:asvg="http://schemas.microsoft.com/office/drawing/2016/SVG/main" xmlns="" r:embed="rId4"/>
               </a:ext>
             </a:extLst>
           </a:blip>
@@ -1449,7 +1451,7 @@
                 <a16:creationId xmlns:a16="http://schemas.microsoft.com/office/drawing/2014/main" id="{AA1B5F83-A93D-544C-8DB4-B164DBF2F72D}"/>
               </a:ext>
               <a:ext uri="{C183D7F6-B498-43B3-948B-1728B52AA6E4}">
-                <adec:decorative xmlns="" xmlns:adec="http://schemas.microsoft.com/office/drawing/2017/decorative" val="1"/>
+                <adec:decorative xmlns:adec="http://schemas.microsoft.com/office/drawing/2017/decorative" xmlns="" val="1"/>
               </a:ext>
             </a:extLst>
           </p:cNvPr>
@@ -1661,7 +1663,7 @@
                 <a16:creationId xmlns:a16="http://schemas.microsoft.com/office/drawing/2014/main" id="{417D4F8B-2025-D14C-A41E-9C0B401DE6B0}"/>
               </a:ext>
               <a:ext uri="{C183D7F6-B498-43B3-948B-1728B52AA6E4}">
-                <adec:decorative xmlns="" xmlns:adec="http://schemas.microsoft.com/office/drawing/2017/decorative" val="1"/>
+                <adec:decorative xmlns:adec="http://schemas.microsoft.com/office/drawing/2017/decorative" xmlns="" val="1"/>
               </a:ext>
             </a:extLst>
           </p:cNvPr>
@@ -2127,7 +2129,7 @@
                 <a16:creationId xmlns:a16="http://schemas.microsoft.com/office/drawing/2014/main" id="{B164666E-28C9-844E-91D8-ECA2F1E57595}"/>
               </a:ext>
               <a:ext uri="{C183D7F6-B498-43B3-948B-1728B52AA6E4}">
-                <adec:decorative xmlns="" xmlns:adec="http://schemas.microsoft.com/office/drawing/2017/decorative" val="1"/>
+                <adec:decorative xmlns:adec="http://schemas.microsoft.com/office/drawing/2017/decorative" xmlns="" val="1"/>
               </a:ext>
             </a:extLst>
           </p:cNvPr>
@@ -2340,7 +2342,7 @@
                 <a16:creationId xmlns:a16="http://schemas.microsoft.com/office/drawing/2014/main" id="{97B963A1-3810-7A40-8918-6D6D68B4A836}"/>
               </a:ext>
               <a:ext uri="{C183D7F6-B498-43B3-948B-1728B52AA6E4}">
-                <adec:decorative xmlns="" xmlns:adec="http://schemas.microsoft.com/office/drawing/2017/decorative" val="1"/>
+                <adec:decorative xmlns:adec="http://schemas.microsoft.com/office/drawing/2017/decorative" xmlns="" val="1"/>
               </a:ext>
             </a:extLst>
           </p:cNvPr>
@@ -2462,7 +2464,7 @@
                 <a16:creationId xmlns:a16="http://schemas.microsoft.com/office/drawing/2014/main" id="{E17DA4B3-27AC-8A64-FD5E-59AEAE0D8559}"/>
               </a:ext>
               <a:ext uri="{C183D7F6-B498-43B3-948B-1728B52AA6E4}">
-                <adec:decorative xmlns="" xmlns:adec="http://schemas.microsoft.com/office/drawing/2017/decorative" val="1"/>
+                <adec:decorative xmlns:adec="http://schemas.microsoft.com/office/drawing/2017/decorative" xmlns="" val="1"/>
               </a:ext>
             </a:extLst>
           </p:cNvPr>
@@ -2982,7 +2984,7 @@
                 <a16:creationId xmlns:a16="http://schemas.microsoft.com/office/drawing/2014/main" id="{D864AC6E-1611-244C-BA28-696924BAB259}"/>
               </a:ext>
               <a:ext uri="{C183D7F6-B498-43B3-948B-1728B52AA6E4}">
-                <adec:decorative xmlns="" xmlns:adec="http://schemas.microsoft.com/office/drawing/2017/decorative" val="1"/>
+                <adec:decorative xmlns:adec="http://schemas.microsoft.com/office/drawing/2017/decorative" xmlns="" val="1"/>
               </a:ext>
             </a:extLst>
           </p:cNvPr>
@@ -3595,7 +3597,7 @@
                 <a16:creationId xmlns:a16="http://schemas.microsoft.com/office/drawing/2014/main" id="{85B60DB8-F067-969E-72B5-4E90025E5BF8}"/>
               </a:ext>
               <a:ext uri="{C183D7F6-B498-43B3-948B-1728B52AA6E4}">
-                <adec:decorative xmlns="" xmlns:adec="http://schemas.microsoft.com/office/drawing/2017/decorative" val="1"/>
+                <adec:decorative xmlns:adec="http://schemas.microsoft.com/office/drawing/2017/decorative" xmlns="" val="1"/>
               </a:ext>
             </a:extLst>
           </p:cNvPr>
@@ -4098,7 +4100,7 @@
                 <a16:creationId xmlns:a16="http://schemas.microsoft.com/office/drawing/2014/main" id="{F7E2C737-3A4D-924A-88B5-FA4D5C8A07C7}"/>
               </a:ext>
               <a:ext uri="{C183D7F6-B498-43B3-948B-1728B52AA6E4}">
-                <adec:decorative xmlns="" xmlns:adec="http://schemas.microsoft.com/office/drawing/2017/decorative" val="1"/>
+                <adec:decorative xmlns:adec="http://schemas.microsoft.com/office/drawing/2017/decorative" xmlns="" val="1"/>
               </a:ext>
             </a:extLst>
           </p:cNvPr>
@@ -4696,7 +4698,7 @@
                 <a16:creationId xmlns:a16="http://schemas.microsoft.com/office/drawing/2014/main" id="{56D4D92B-574E-4F63-A5BA-8F7282B54C27}"/>
               </a:ext>
               <a:ext uri="{C183D7F6-B498-43B3-948B-1728B52AA6E4}">
-                <adec:decorative xmlns="" xmlns:adec="http://schemas.microsoft.com/office/drawing/2017/decorative" val="1"/>
+                <adec:decorative xmlns:adec="http://schemas.microsoft.com/office/drawing/2017/decorative" xmlns="" val="1"/>
               </a:ext>
             </a:extLst>
           </p:cNvPr>
@@ -4860,7 +4862,7 @@
                 <a16:creationId xmlns:a16="http://schemas.microsoft.com/office/drawing/2014/main" id="{F789B473-DDE6-4450-A111-3761F341AAE3}"/>
               </a:ext>
               <a:ext uri="{C183D7F6-B498-43B3-948B-1728B52AA6E4}">
-                <adec:decorative xmlns="" xmlns:adec="http://schemas.microsoft.com/office/drawing/2017/decorative" val="1"/>
+                <adec:decorative xmlns:adec="http://schemas.microsoft.com/office/drawing/2017/decorative" xmlns="" val="1"/>
               </a:ext>
             </a:extLst>
           </p:cNvPr>
@@ -5370,7 +5372,7 @@
                 <a16:creationId xmlns:a16="http://schemas.microsoft.com/office/drawing/2014/main" id="{14F46384-B6E3-0D43-924E-874DEC2344B1}"/>
               </a:ext>
               <a:ext uri="{C183D7F6-B498-43B3-948B-1728B52AA6E4}">
-                <adec:decorative xmlns="" xmlns:adec="http://schemas.microsoft.com/office/drawing/2017/decorative" val="1"/>
+                <adec:decorative xmlns:adec="http://schemas.microsoft.com/office/drawing/2017/decorative" xmlns="" val="1"/>
               </a:ext>
             </a:extLst>
           </p:cNvPr>
@@ -5517,7 +5519,7 @@
                 <a16:creationId xmlns:a16="http://schemas.microsoft.com/office/drawing/2014/main" id="{33526770-8F35-FB4A-8638-521D0DA87F6C}"/>
               </a:ext>
               <a:ext uri="{C183D7F6-B498-43B3-948B-1728B52AA6E4}">
-                <adec:decorative xmlns="" xmlns:adec="http://schemas.microsoft.com/office/drawing/2017/decorative" val="1"/>
+                <adec:decorative xmlns:adec="http://schemas.microsoft.com/office/drawing/2017/decorative" xmlns="" val="1"/>
               </a:ext>
             </a:extLst>
           </p:cNvPr>
@@ -5664,7 +5666,7 @@
                 <a16:creationId xmlns:a16="http://schemas.microsoft.com/office/drawing/2014/main" id="{73C08A52-2522-8C40-B8B1-C98FEBB888F7}"/>
               </a:ext>
               <a:ext uri="{C183D7F6-B498-43B3-948B-1728B52AA6E4}">
-                <adec:decorative xmlns="" xmlns:adec="http://schemas.microsoft.com/office/drawing/2017/decorative" val="1"/>
+                <adec:decorative xmlns:adec="http://schemas.microsoft.com/office/drawing/2017/decorative" xmlns="" val="1"/>
               </a:ext>
             </a:extLst>
           </p:cNvPr>
@@ -5811,7 +5813,7 @@
                 <a16:creationId xmlns:a16="http://schemas.microsoft.com/office/drawing/2014/main" id="{9B57CCC6-06B1-7342-99B0-BC7C8FBE5E73}"/>
               </a:ext>
               <a:ext uri="{C183D7F6-B498-43B3-948B-1728B52AA6E4}">
-                <adec:decorative xmlns="" xmlns:adec="http://schemas.microsoft.com/office/drawing/2017/decorative" val="1"/>
+                <adec:decorative xmlns:adec="http://schemas.microsoft.com/office/drawing/2017/decorative" xmlns="" val="1"/>
               </a:ext>
             </a:extLst>
           </p:cNvPr>
@@ -5958,7 +5960,7 @@
                 <a16:creationId xmlns:a16="http://schemas.microsoft.com/office/drawing/2014/main" id="{23C87E7C-5ED2-214E-8A38-ED05177A65DC}"/>
               </a:ext>
               <a:ext uri="{C183D7F6-B498-43B3-948B-1728B52AA6E4}">
-                <adec:decorative xmlns="" xmlns:adec="http://schemas.microsoft.com/office/drawing/2017/decorative" val="1"/>
+                <adec:decorative xmlns:adec="http://schemas.microsoft.com/office/drawing/2017/decorative" xmlns="" val="1"/>
               </a:ext>
             </a:extLst>
           </p:cNvPr>
@@ -6727,7 +6729,7 @@
                 <a16:creationId xmlns:a16="http://schemas.microsoft.com/office/drawing/2014/main" id="{5CABBF0D-1BD1-F9E7-64FF-6B8D87E611B7}"/>
               </a:ext>
               <a:ext uri="{C183D7F6-B498-43B3-948B-1728B52AA6E4}">
-                <adec:decorative xmlns="" xmlns:adec="http://schemas.microsoft.com/office/drawing/2017/decorative" val="1"/>
+                <adec:decorative xmlns:adec="http://schemas.microsoft.com/office/drawing/2017/decorative" xmlns="" val="1"/>
               </a:ext>
             </a:extLst>
           </p:cNvPr>
@@ -7187,7 +7189,7 @@
                 <a16:creationId xmlns:a16="http://schemas.microsoft.com/office/drawing/2014/main" id="{B1C210DC-5DBB-4F0D-875F-CD8AAAB938CE}"/>
               </a:ext>
               <a:ext uri="{C183D7F6-B498-43B3-948B-1728B52AA6E4}">
-                <adec:decorative xmlns="" xmlns:adec="http://schemas.microsoft.com/office/drawing/2017/decorative" val="1"/>
+                <adec:decorative xmlns:adec="http://schemas.microsoft.com/office/drawing/2017/decorative" xmlns="" val="1"/>
               </a:ext>
             </a:extLst>
           </p:cNvPr>
@@ -7386,7 +7388,7 @@
                 <a16:creationId xmlns:a16="http://schemas.microsoft.com/office/drawing/2014/main" id="{6FECF9D0-D7A8-43DD-B38D-E1090C0B322F}"/>
               </a:ext>
               <a:ext uri="{C183D7F6-B498-43B3-948B-1728B52AA6E4}">
-                <adec:decorative xmlns="" xmlns:adec="http://schemas.microsoft.com/office/drawing/2017/decorative" val="1"/>
+                <adec:decorative xmlns:adec="http://schemas.microsoft.com/office/drawing/2017/decorative" xmlns="" val="1"/>
               </a:ext>
             </a:extLst>
           </p:cNvPr>
@@ -7599,7 +7601,7 @@
                 <a16:creationId xmlns:a16="http://schemas.microsoft.com/office/drawing/2014/main" id="{446F04B0-7860-407F-85B7-42E38FAFE34B}"/>
               </a:ext>
               <a:ext uri="{C183D7F6-B498-43B3-948B-1728B52AA6E4}">
-                <adec:decorative xmlns="" xmlns:adec="http://schemas.microsoft.com/office/drawing/2017/decorative" val="1"/>
+                <adec:decorative xmlns:adec="http://schemas.microsoft.com/office/drawing/2017/decorative" xmlns="" val="1"/>
               </a:ext>
             </a:extLst>
           </p:cNvPr>
@@ -8026,7 +8028,7 @@
                 <a16:creationId xmlns:a16="http://schemas.microsoft.com/office/drawing/2014/main" id="{085441A7-EBA5-4ABB-8D29-CE4338F0F9B5}"/>
               </a:ext>
               <a:ext uri="{C183D7F6-B498-43B3-948B-1728B52AA6E4}">
-                <adec:decorative xmlns="" xmlns:adec="http://schemas.microsoft.com/office/drawing/2017/decorative" val="1"/>
+                <adec:decorative xmlns:adec="http://schemas.microsoft.com/office/drawing/2017/decorative" xmlns="" val="1"/>
               </a:ext>
             </a:extLst>
           </p:cNvPr>
@@ -8243,7 +8245,7 @@
                 <a16:creationId xmlns:a16="http://schemas.microsoft.com/office/drawing/2014/main" id="{45D908EF-1F96-4808-A8DB-F55AB9E8E436}"/>
               </a:ext>
               <a:ext uri="{C183D7F6-B498-43B3-948B-1728B52AA6E4}">
-                <adec:decorative xmlns="" xmlns:adec="http://schemas.microsoft.com/office/drawing/2017/decorative" val="1"/>
+                <adec:decorative xmlns:adec="http://schemas.microsoft.com/office/drawing/2017/decorative" xmlns="" val="1"/>
               </a:ext>
             </a:extLst>
           </p:cNvPr>
@@ -8456,7 +8458,7 @@
                 <a16:creationId xmlns:a16="http://schemas.microsoft.com/office/drawing/2014/main" id="{5670C03F-6336-45E3-A9F4-0CD130D80D1B}"/>
               </a:ext>
               <a:ext uri="{C183D7F6-B498-43B3-948B-1728B52AA6E4}">
-                <adec:decorative xmlns="" xmlns:adec="http://schemas.microsoft.com/office/drawing/2017/decorative" val="1"/>
+                <adec:decorative xmlns:adec="http://schemas.microsoft.com/office/drawing/2017/decorative" xmlns="" val="1"/>
               </a:ext>
             </a:extLst>
           </p:cNvPr>
@@ -8669,7 +8671,7 @@
                 <a16:creationId xmlns:a16="http://schemas.microsoft.com/office/drawing/2014/main" id="{3019BB56-AE7C-42CA-A8FF-432F4F176B8B}"/>
               </a:ext>
               <a:ext uri="{C183D7F6-B498-43B3-948B-1728B52AA6E4}">
-                <adec:decorative xmlns="" xmlns:adec="http://schemas.microsoft.com/office/drawing/2017/decorative" val="1"/>
+                <adec:decorative xmlns:adec="http://schemas.microsoft.com/office/drawing/2017/decorative" xmlns="" val="1"/>
               </a:ext>
             </a:extLst>
           </p:cNvPr>
@@ -9096,7 +9098,7 @@
                 <a16:creationId xmlns:a16="http://schemas.microsoft.com/office/drawing/2014/main" id="{A1FDF9D3-5B68-4A75-97BF-2C5113CFAA66}"/>
               </a:ext>
               <a:ext uri="{C183D7F6-B498-43B3-948B-1728B52AA6E4}">
-                <adec:decorative xmlns="" xmlns:adec="http://schemas.microsoft.com/office/drawing/2017/decorative" val="1"/>
+                <adec:decorative xmlns:adec="http://schemas.microsoft.com/office/drawing/2017/decorative" xmlns="" val="1"/>
               </a:ext>
             </a:extLst>
           </p:cNvPr>
@@ -9295,7 +9297,7 @@
                 <a16:creationId xmlns:a16="http://schemas.microsoft.com/office/drawing/2014/main" id="{C551C90A-573F-4E4A-9359-5C7B0F546BF9}"/>
               </a:ext>
               <a:ext uri="{C183D7F6-B498-43B3-948B-1728B52AA6E4}">
-                <adec:decorative xmlns="" xmlns:adec="http://schemas.microsoft.com/office/drawing/2017/decorative" val="1"/>
+                <adec:decorative xmlns:adec="http://schemas.microsoft.com/office/drawing/2017/decorative" xmlns="" val="1"/>
               </a:ext>
             </a:extLst>
           </p:cNvPr>
@@ -9497,7 +9499,7 @@
                 <a16:creationId xmlns:a16="http://schemas.microsoft.com/office/drawing/2014/main" id="{AF79E162-3D8F-4829-A4AD-02A03597B11A}"/>
               </a:ext>
               <a:ext uri="{C183D7F6-B498-43B3-948B-1728B52AA6E4}">
-                <adec:decorative xmlns="" xmlns:adec="http://schemas.microsoft.com/office/drawing/2017/decorative" val="1"/>
+                <adec:decorative xmlns:adec="http://schemas.microsoft.com/office/drawing/2017/decorative" xmlns="" val="1"/>
               </a:ext>
             </a:extLst>
           </p:cNvPr>
@@ -9710,7 +9712,7 @@
                 <a16:creationId xmlns:a16="http://schemas.microsoft.com/office/drawing/2014/main" id="{026B9B36-08E7-4664-970C-13123F24C793}"/>
               </a:ext>
               <a:ext uri="{C183D7F6-B498-43B3-948B-1728B52AA6E4}">
-                <adec:decorative xmlns="" xmlns:adec="http://schemas.microsoft.com/office/drawing/2017/decorative" val="1"/>
+                <adec:decorative xmlns:adec="http://schemas.microsoft.com/office/drawing/2017/decorative" xmlns="" val="1"/>
               </a:ext>
             </a:extLst>
           </p:cNvPr>
@@ -9927,7 +9929,7 @@
                 <a16:creationId xmlns:a16="http://schemas.microsoft.com/office/drawing/2014/main" id="{7EAB1992-E472-4489-8A4E-A8FE45DE10CF}"/>
               </a:ext>
               <a:ext uri="{C183D7F6-B498-43B3-948B-1728B52AA6E4}">
-                <adec:decorative xmlns="" xmlns:adec="http://schemas.microsoft.com/office/drawing/2017/decorative" val="1"/>
+                <adec:decorative xmlns:adec="http://schemas.microsoft.com/office/drawing/2017/decorative" xmlns="" val="1"/>
               </a:ext>
             </a:extLst>
           </p:cNvPr>
@@ -10501,7 +10503,7 @@
           <a:blip r:embed="rId3">
             <a:extLst>
               <a:ext uri="{96DAC541-7B7A-43D3-8B79-37D633B846F1}">
-                <asvg:svgBlip xmlns="" xmlns:asvg="http://schemas.microsoft.com/office/drawing/2016/SVG/main" r:embed="rId4"/>
+                <asvg:svgBlip xmlns:asvg="http://schemas.microsoft.com/office/drawing/2016/SVG/main" xmlns="" r:embed="rId4"/>
               </a:ext>
             </a:extLst>
           </a:blip>
@@ -10686,7 +10688,7 @@
           <a:blip r:embed="rId3">
             <a:extLst>
               <a:ext uri="{96DAC541-7B7A-43D3-8B79-37D633B846F1}">
-                <asvg:svgBlip xmlns="" xmlns:asvg="http://schemas.microsoft.com/office/drawing/2016/SVG/main" r:embed="rId4"/>
+                <asvg:svgBlip xmlns:asvg="http://schemas.microsoft.com/office/drawing/2016/SVG/main" xmlns="" r:embed="rId4"/>
               </a:ext>
             </a:extLst>
           </a:blip>
@@ -10948,7 +10950,7 @@
           <a:blip r:embed="rId2">
             <a:extLst>
               <a:ext uri="{96DAC541-7B7A-43D3-8B79-37D633B846F1}">
-                <asvg:svgBlip xmlns="" xmlns:asvg="http://schemas.microsoft.com/office/drawing/2016/SVG/main" r:embed="rId3"/>
+                <asvg:svgBlip xmlns:asvg="http://schemas.microsoft.com/office/drawing/2016/SVG/main" xmlns="" r:embed="rId3"/>
               </a:ext>
             </a:extLst>
           </a:blip>
@@ -11201,7 +11203,7 @@
                 <a16:creationId xmlns:a16="http://schemas.microsoft.com/office/drawing/2014/main" id="{B59E37DB-3217-4772-AE8E-E9673A139975}"/>
               </a:ext>
               <a:ext uri="{C183D7F6-B498-43B3-948B-1728B52AA6E4}">
-                <adec:decorative xmlns="" xmlns:adec="http://schemas.microsoft.com/office/drawing/2017/decorative" val="1"/>
+                <adec:decorative xmlns:adec="http://schemas.microsoft.com/office/drawing/2017/decorative" xmlns="" val="1"/>
               </a:ext>
             </a:extLst>
           </p:cNvPr>
@@ -11250,7 +11252,7 @@
                 <a16:creationId xmlns:a16="http://schemas.microsoft.com/office/drawing/2014/main" id="{F0DFE264-D676-EA48-BBA7-F4F0331FA268}"/>
               </a:ext>
               <a:ext uri="{C183D7F6-B498-43B3-948B-1728B52AA6E4}">
-                <adec:decorative xmlns="" xmlns:adec="http://schemas.microsoft.com/office/drawing/2017/decorative" val="1"/>
+                <adec:decorative xmlns:adec="http://schemas.microsoft.com/office/drawing/2017/decorative" xmlns="" val="1"/>
               </a:ext>
             </a:extLst>
           </p:cNvPr>
@@ -11353,7 +11355,7 @@
                 <a16:creationId xmlns:a16="http://schemas.microsoft.com/office/drawing/2014/main" id="{A0BB7D6E-2488-A644-A910-415B17221FBC}"/>
               </a:ext>
               <a:ext uri="{C183D7F6-B498-43B3-948B-1728B52AA6E4}">
-                <adec:decorative xmlns="" xmlns:adec="http://schemas.microsoft.com/office/drawing/2017/decorative" val="1"/>
+                <adec:decorative xmlns:adec="http://schemas.microsoft.com/office/drawing/2017/decorative" xmlns="" val="1"/>
               </a:ext>
             </a:extLst>
           </p:cNvPr>
@@ -16302,7 +16304,7 @@
           <a:blip r:embed="rId2">
             <a:extLst>
               <a:ext uri="{96DAC541-7B7A-43D3-8B79-37D633B846F1}">
-                <asvg:svgBlip xmlns="" xmlns:asvg="http://schemas.microsoft.com/office/drawing/2016/SVG/main" r:embed="rId3"/>
+                <asvg:svgBlip xmlns:asvg="http://schemas.microsoft.com/office/drawing/2016/SVG/main" xmlns="" r:embed="rId3"/>
               </a:ext>
             </a:extLst>
           </a:blip>
@@ -18861,7 +18863,7 @@
           <a:blip r:embed="rId28">
             <a:extLst>
               <a:ext uri="{96DAC541-7B7A-43D3-8B79-37D633B846F1}">
-                <asvg:svgBlip xmlns="" xmlns:asvg="http://schemas.microsoft.com/office/drawing/2016/SVG/main" r:embed="rId29"/>
+                <asvg:svgBlip xmlns:asvg="http://schemas.microsoft.com/office/drawing/2016/SVG/main" xmlns="" r:embed="rId29"/>
               </a:ext>
             </a:extLst>
           </a:blip>
@@ -20914,7 +20916,7 @@
         <p:spPr>
           <a:xfrm>
             <a:off x="7077807" y="5055577"/>
-            <a:ext cx="3823162" cy="720197"/>
+            <a:ext cx="3860031" cy="1080296"/>
           </a:xfrm>
           <a:prstGeom prst="rect">
             <a:avLst/>
@@ -20969,7 +20971,30 @@
                   <a:schemeClr val="tx2"/>
                 </a:solidFill>
               </a:rPr>
-              <a:t> 301 session!</a:t>
+              <a:t> 301 session</a:t>
+            </a:r>
+            <a:r>
+              <a:rPr lang="en-US" dirty="0" smtClean="0">
+                <a:solidFill>
+                  <a:schemeClr val="tx2"/>
+                </a:solidFill>
+              </a:rPr>
+              <a:t>!</a:t>
+            </a:r>
+          </a:p>
+          <a:p>
+            <a:pPr algn="l">
+              <a:lnSpc>
+                <a:spcPct val="130000"/>
+              </a:lnSpc>
+            </a:pPr>
+            <a:r>
+              <a:rPr lang="en-US" sz="1800" dirty="0" smtClean="0">
+                <a:solidFill>
+                  <a:schemeClr val="tx2"/>
+                </a:solidFill>
+              </a:rPr>
+              <a:t>Wednesday or Thursday</a:t>
             </a:r>
             <a:endParaRPr lang="en-US" sz="1800" dirty="0" smtClean="0">
               <a:solidFill>
@@ -22091,7 +22116,11 @@
             </a:r>
             <a:r>
               <a:rPr lang="en-US" dirty="0"/>
-              <a:t>| Where-Object {$_.</a:t>
+              <a:t>| Where-Object </a:t>
+            </a:r>
+            <a:r>
+              <a:rPr lang="en-US" dirty="0" smtClean="0"/>
+              <a:t>{($_.</a:t>
             </a:r>
             <a:r>
               <a:rPr lang="en-US" dirty="0" err="1"/>
@@ -22099,8 +22128,13 @@
             </a:r>
             <a:r>
               <a:rPr lang="en-US" dirty="0"/>
-              <a:t> -like "Method"}</a:t>
-            </a:r>
+              <a:t> -like "</a:t>
+            </a:r>
+            <a:r>
+              <a:rPr lang="en-US" dirty="0" smtClean="0"/>
+              <a:t>Method“) –and ($_.name –like ‘*s’)}</a:t>
+            </a:r>
+            <a:endParaRPr lang="en-US" dirty="0"/>
           </a:p>
         </p:txBody>
       </p:sp>
@@ -23386,22 +23420,104 @@
           <a:p>
             <a:pPr marL="342900" indent="-342900"/>
             <a:r>
+              <a:rPr lang="en-US" dirty="0" smtClean="0"/>
+              <a:t>Developer Documentation:</a:t>
+            </a:r>
+          </a:p>
+          <a:p>
+            <a:pPr marL="800100" lvl="1" indent="-342900"/>
+            <a:r>
+              <a:rPr lang="en-US" dirty="0" smtClean="0"/>
+              <a:t>https</a:t>
+            </a:r>
+            <a:r>
               <a:rPr lang="en-US" dirty="0"/>
-              <a:t>https://developer.broadcom.com/</a:t>
+              <a:t>://developer.broadcom.com/</a:t>
             </a:r>
             <a:endParaRPr lang="en-US" dirty="0" smtClean="0"/>
           </a:p>
           <a:p>
             <a:pPr marL="342900" indent="-342900"/>
             <a:r>
+              <a:rPr lang="en-US" dirty="0" smtClean="0"/>
+              <a:t>VMware Forums</a:t>
+            </a:r>
+          </a:p>
+          <a:p>
+            <a:pPr marL="800100" lvl="1" indent="-342900"/>
+            <a:r>
+              <a:rPr lang="en-US" dirty="0" smtClean="0"/>
+              <a:t>https</a:t>
+            </a:r>
+            <a:r>
               <a:rPr lang="en-US" dirty="0"/>
-              <a:t>https://community.broadcom.com/home</a:t>
+              <a:t>://community.broadcom.com/home</a:t>
             </a:r>
             <a:endParaRPr lang="en-US" dirty="0" smtClean="0"/>
           </a:p>
           <a:p>
             <a:pPr marL="342900" indent="-342900"/>
             <a:endParaRPr lang="en-US" dirty="0"/>
+          </a:p>
+        </p:txBody>
+      </p:sp>
+      <p:pic>
+        <p:nvPicPr>
+          <p:cNvPr id="4" name="Picture 3"/>
+          <p:cNvPicPr>
+            <a:picLocks noChangeAspect="1"/>
+          </p:cNvPicPr>
+          <p:nvPr/>
+        </p:nvPicPr>
+        <p:blipFill>
+          <a:blip r:embed="rId2"/>
+          <a:stretch>
+            <a:fillRect/>
+          </a:stretch>
+        </p:blipFill>
+        <p:spPr>
+          <a:xfrm>
+            <a:off x="7945457" y="473904"/>
+            <a:ext cx="3392631" cy="3176872"/>
+          </a:xfrm>
+          <a:prstGeom prst="rect">
+            <a:avLst/>
+          </a:prstGeom>
+        </p:spPr>
+      </p:pic>
+      <p:sp>
+        <p:nvSpPr>
+          <p:cNvPr id="6" name="TextBox 5"/>
+          <p:cNvSpPr txBox="1"/>
+          <p:nvPr/>
+        </p:nvSpPr>
+        <p:spPr>
+          <a:xfrm>
+            <a:off x="8589955" y="3559488"/>
+            <a:ext cx="2103634" cy="430118"/>
+          </a:xfrm>
+          <a:prstGeom prst="rect">
+            <a:avLst/>
+          </a:prstGeom>
+          <a:noFill/>
+        </p:spPr>
+        <p:txBody>
+          <a:bodyPr wrap="square" lIns="0" tIns="0" rIns="0" bIns="0" rtlCol="0">
+            <a:spAutoFit/>
+          </a:bodyPr>
+          <a:lstStyle/>
+          <a:p>
+            <a:pPr algn="l">
+              <a:lnSpc>
+                <a:spcPct val="130000"/>
+              </a:lnSpc>
+            </a:pPr>
+            <a:r>
+              <a:rPr lang="en-US" sz="2400" dirty="0">
+                <a:latin typeface="+mj-lt"/>
+              </a:rPr>
+              <a:t>Slides &amp; Code</a:t>
+            </a:r>
           </a:p>
         </p:txBody>
       </p:sp>
@@ -23449,6 +23565,1044 @@
       </p:grpSpPr>
       <p:sp>
         <p:nvSpPr>
+          <p:cNvPr id="2" name="Title 1"/>
+          <p:cNvSpPr>
+            <a:spLocks noGrp="1"/>
+          </p:cNvSpPr>
+          <p:nvPr>
+            <p:ph type="title"/>
+          </p:nvPr>
+        </p:nvSpPr>
+        <p:spPr/>
+        <p:txBody>
+          <a:bodyPr/>
+          <a:lstStyle/>
+          <a:p>
+            <a:r>
+              <a:rPr lang="en-US" dirty="0" err="1" smtClean="0"/>
+              <a:t>PowerCLI</a:t>
+            </a:r>
+            <a:r>
+              <a:rPr lang="en-US" dirty="0" smtClean="0"/>
+              <a:t> Lyrics</a:t>
+            </a:r>
+            <a:endParaRPr lang="en-US" dirty="0"/>
+          </a:p>
+        </p:txBody>
+      </p:sp>
+      <p:sp>
+        <p:nvSpPr>
+          <p:cNvPr id="3" name="Subtitle 2"/>
+          <p:cNvSpPr>
+            <a:spLocks noGrp="1"/>
+          </p:cNvSpPr>
+          <p:nvPr>
+            <p:ph type="subTitle" idx="10"/>
+          </p:nvPr>
+        </p:nvSpPr>
+        <p:spPr/>
+        <p:txBody>
+          <a:bodyPr/>
+          <a:lstStyle/>
+          <a:p>
+            <a:r>
+              <a:rPr lang="en-US" dirty="0" smtClean="0"/>
+              <a:t>Thanks to Justin Brant &amp; </a:t>
+            </a:r>
+            <a:r>
+              <a:rPr lang="en-US" dirty="0" err="1" smtClean="0"/>
+              <a:t>ChatGPT</a:t>
+            </a:r>
+            <a:endParaRPr lang="en-US" dirty="0"/>
+          </a:p>
+        </p:txBody>
+      </p:sp>
+      <p:sp>
+        <p:nvSpPr>
+          <p:cNvPr id="4" name="Content Placeholder 3"/>
+          <p:cNvSpPr>
+            <a:spLocks noGrp="1"/>
+          </p:cNvSpPr>
+          <p:nvPr>
+            <p:ph sz="quarter" idx="14"/>
+          </p:nvPr>
+        </p:nvSpPr>
+        <p:spPr>
+          <a:xfrm>
+            <a:off x="992367" y="1182950"/>
+            <a:ext cx="3329581" cy="4995907"/>
+          </a:xfrm>
+        </p:spPr>
+        <p:txBody>
+          <a:bodyPr/>
+          <a:lstStyle/>
+          <a:p>
+            <a:r>
+              <a:rPr lang="en-US" sz="1000" dirty="0"/>
+              <a:t>*(Verse 1)*  </a:t>
+            </a:r>
+          </a:p>
+          <a:p>
+            <a:r>
+              <a:rPr lang="en-US" sz="1000" dirty="0" err="1"/>
+              <a:t>Yo</a:t>
+            </a:r>
+            <a:r>
+              <a:rPr lang="en-US" sz="1000" dirty="0"/>
+              <a:t>, I'm in the datacenter, making moves with precision,  </a:t>
+            </a:r>
+          </a:p>
+          <a:p>
+            <a:r>
+              <a:rPr lang="en-US" sz="1000" dirty="0"/>
+              <a:t>Got the </a:t>
+            </a:r>
+            <a:r>
+              <a:rPr lang="en-US" sz="1000" dirty="0" err="1"/>
+              <a:t>PowerCLI</a:t>
+            </a:r>
+            <a:r>
+              <a:rPr lang="en-US" sz="1000" dirty="0"/>
+              <a:t>, scripting's my decision,  </a:t>
+            </a:r>
+          </a:p>
+          <a:p>
+            <a:r>
+              <a:rPr lang="en-US" sz="1000" dirty="0"/>
+              <a:t>VMware on lock, no manual intervention,  </a:t>
+            </a:r>
+          </a:p>
+          <a:p>
+            <a:r>
+              <a:rPr lang="en-US" sz="1000" dirty="0"/>
+              <a:t>Automate the tasks, that’s my daily mission.  </a:t>
+            </a:r>
+          </a:p>
+          <a:p>
+            <a:r>
+              <a:rPr lang="en-US" sz="1000" b="1" dirty="0"/>
+              <a:t>From snapshots to clones, I’m the virtual magician,  </a:t>
+            </a:r>
+          </a:p>
+          <a:p>
+            <a:r>
+              <a:rPr lang="en-US" sz="1000" dirty="0"/>
+              <a:t>Deploying those VMs like I’m on a fast mission,  </a:t>
+            </a:r>
+          </a:p>
+          <a:p>
+            <a:r>
+              <a:rPr lang="en-US" sz="1000" dirty="0"/>
+              <a:t>Handling workloads, no need for supervision,  </a:t>
+            </a:r>
+          </a:p>
+          <a:p>
+            <a:r>
+              <a:rPr lang="en-US" sz="1000" b="1" dirty="0"/>
+              <a:t>My scripts so clean, they need no revision.</a:t>
+            </a:r>
+          </a:p>
+          <a:p>
+            <a:r>
+              <a:rPr lang="en-US" sz="1000" dirty="0"/>
+              <a:t> </a:t>
+            </a:r>
+          </a:p>
+          <a:p>
+            <a:r>
+              <a:rPr lang="en-US" sz="1000" dirty="0"/>
+              <a:t>*(Chorus)*  </a:t>
+            </a:r>
+          </a:p>
+          <a:p>
+            <a:r>
+              <a:rPr lang="en-US" sz="1000" dirty="0" err="1"/>
+              <a:t>PowerCLI</a:t>
+            </a:r>
+            <a:r>
+              <a:rPr lang="en-US" sz="1000" dirty="0"/>
+              <a:t>, yeah, I’m in control,  </a:t>
+            </a:r>
+          </a:p>
+          <a:p>
+            <a:r>
+              <a:rPr lang="en-US" sz="1000" b="1" dirty="0"/>
+              <a:t>Automating everything, that’s how I roll.  </a:t>
+            </a:r>
+          </a:p>
+          <a:p>
+            <a:r>
+              <a:rPr lang="en-US" sz="1000" dirty="0"/>
+              <a:t>No more clicking through, I’ve got the goal,  </a:t>
+            </a:r>
+          </a:p>
+          <a:p>
+            <a:r>
+              <a:rPr lang="en-US" sz="1000" b="1" dirty="0"/>
+              <a:t>Scripts on fire, yeah, watch them unfold.</a:t>
+            </a:r>
+          </a:p>
+          <a:p>
+            <a:r>
+              <a:rPr lang="en-US" sz="1000" dirty="0"/>
+              <a:t> </a:t>
+            </a:r>
+          </a:p>
+        </p:txBody>
+      </p:sp>
+      <p:sp>
+        <p:nvSpPr>
+          <p:cNvPr id="5" name="Content Placeholder 3"/>
+          <p:cNvSpPr txBox="1">
+            <a:spLocks/>
+          </p:cNvSpPr>
+          <p:nvPr/>
+        </p:nvSpPr>
+        <p:spPr>
+          <a:xfrm>
+            <a:off x="4838337" y="1220682"/>
+            <a:ext cx="2769827" cy="4572000"/>
+          </a:xfrm>
+          <a:prstGeom prst="rect">
+            <a:avLst/>
+          </a:prstGeom>
+        </p:spPr>
+        <p:txBody>
+          <a:bodyPr vert="horz" lIns="0" tIns="0" rIns="0" bIns="0" rtlCol="0">
+            <a:noAutofit/>
+          </a:bodyPr>
+          <a:lstStyle>
+            <a:lvl1pPr marL="0" indent="0" algn="l" defTabSz="914400" rtl="0" eaLnBrk="1" latinLnBrk="0" hangingPunct="1">
+              <a:lnSpc>
+                <a:spcPct val="100000"/>
+              </a:lnSpc>
+              <a:spcBef>
+                <a:spcPts val="0"/>
+              </a:spcBef>
+              <a:spcAft>
+                <a:spcPts val="1200"/>
+              </a:spcAft>
+              <a:buClr>
+                <a:schemeClr val="tx1">
+                  <a:lumMod val="60000"/>
+                  <a:lumOff val="40000"/>
+                </a:schemeClr>
+              </a:buClr>
+              <a:buSzPct val="90000"/>
+              <a:buFont typeface="Arial" panose="020B0604020202020204" pitchFamily="34" charset="0"/>
+              <a:buChar char="​"/>
+              <a:defRPr sz="2000" kern="1200">
+                <a:solidFill>
+                  <a:schemeClr val="tx1"/>
+                </a:solidFill>
+                <a:latin typeface="+mn-lt"/>
+                <a:ea typeface="+mn-ea"/>
+                <a:cs typeface="+mn-cs"/>
+              </a:defRPr>
+            </a:lvl1pPr>
+            <a:lvl2pPr marL="457200" indent="-184150" algn="l" defTabSz="914400" rtl="0" eaLnBrk="1" latinLnBrk="0" hangingPunct="1">
+              <a:lnSpc>
+                <a:spcPct val="100000"/>
+              </a:lnSpc>
+              <a:spcBef>
+                <a:spcPts val="0"/>
+              </a:spcBef>
+              <a:spcAft>
+                <a:spcPts val="1200"/>
+              </a:spcAft>
+              <a:buClr>
+                <a:schemeClr val="bg2">
+                  <a:lumMod val="25000"/>
+                </a:schemeClr>
+              </a:buClr>
+              <a:buSzPct val="90000"/>
+              <a:buFont typeface="Arial" panose="020B0604020202020204" pitchFamily="34" charset="0"/>
+              <a:buChar char="•"/>
+              <a:defRPr sz="1800" kern="1200">
+                <a:solidFill>
+                  <a:schemeClr val="tx1"/>
+                </a:solidFill>
+                <a:latin typeface="+mn-lt"/>
+                <a:ea typeface="+mn-ea"/>
+                <a:cs typeface="+mn-cs"/>
+              </a:defRPr>
+            </a:lvl2pPr>
+            <a:lvl3pPr marL="744538" indent="-169863" algn="l" defTabSz="914400" rtl="0" eaLnBrk="1" latinLnBrk="0" hangingPunct="1">
+              <a:lnSpc>
+                <a:spcPct val="100000"/>
+              </a:lnSpc>
+              <a:spcBef>
+                <a:spcPts val="0"/>
+              </a:spcBef>
+              <a:spcAft>
+                <a:spcPts val="1200"/>
+              </a:spcAft>
+              <a:buClr>
+                <a:schemeClr val="bg2">
+                  <a:lumMod val="25000"/>
+                </a:schemeClr>
+              </a:buClr>
+              <a:buSzPct val="90000"/>
+              <a:buFont typeface="Camphor Std" panose="020B0504030404020204" pitchFamily="34" charset="0"/>
+              <a:buChar char="–"/>
+              <a:defRPr sz="1600" kern="1200">
+                <a:solidFill>
+                  <a:schemeClr val="tx1"/>
+                </a:solidFill>
+                <a:latin typeface="+mn-lt"/>
+                <a:ea typeface="+mn-ea"/>
+                <a:cs typeface="+mn-cs"/>
+              </a:defRPr>
+            </a:lvl3pPr>
+            <a:lvl4pPr marL="969963" indent="-166688" algn="l" defTabSz="914400" rtl="0" eaLnBrk="1" latinLnBrk="0" hangingPunct="1">
+              <a:lnSpc>
+                <a:spcPct val="100000"/>
+              </a:lnSpc>
+              <a:spcBef>
+                <a:spcPts val="0"/>
+              </a:spcBef>
+              <a:spcAft>
+                <a:spcPts val="1200"/>
+              </a:spcAft>
+              <a:buClr>
+                <a:schemeClr val="bg2">
+                  <a:lumMod val="25000"/>
+                </a:schemeClr>
+              </a:buClr>
+              <a:buSzPct val="90000"/>
+              <a:buFont typeface="Arial" panose="020B0604020202020204" pitchFamily="34" charset="0"/>
+              <a:buChar char="•"/>
+              <a:defRPr sz="1400" kern="1200">
+                <a:solidFill>
+                  <a:schemeClr val="tx1"/>
+                </a:solidFill>
+                <a:latin typeface="+mn-lt"/>
+                <a:ea typeface="+mn-ea"/>
+                <a:cs typeface="+mn-cs"/>
+              </a:defRPr>
+            </a:lvl4pPr>
+            <a:lvl5pPr marL="1143000" indent="-138113" algn="l" defTabSz="914400" rtl="0" eaLnBrk="1" latinLnBrk="0" hangingPunct="1">
+              <a:lnSpc>
+                <a:spcPct val="100000"/>
+              </a:lnSpc>
+              <a:spcBef>
+                <a:spcPts val="0"/>
+              </a:spcBef>
+              <a:spcAft>
+                <a:spcPts val="1200"/>
+              </a:spcAft>
+              <a:buClr>
+                <a:schemeClr val="bg2">
+                  <a:lumMod val="25000"/>
+                </a:schemeClr>
+              </a:buClr>
+              <a:buSzPct val="90000"/>
+              <a:buFont typeface="Camphor Std" panose="020B0504030404020204" pitchFamily="34" charset="0"/>
+              <a:buChar char="–"/>
+              <a:tabLst/>
+              <a:defRPr sz="1400" kern="1200">
+                <a:solidFill>
+                  <a:schemeClr val="tx1"/>
+                </a:solidFill>
+                <a:latin typeface="+mn-lt"/>
+                <a:ea typeface="+mn-ea"/>
+                <a:cs typeface="+mn-cs"/>
+              </a:defRPr>
+            </a:lvl5pPr>
+            <a:lvl6pPr marL="1258888" indent="-111125" algn="l" defTabSz="914400" rtl="0" eaLnBrk="1" latinLnBrk="0" hangingPunct="1">
+              <a:lnSpc>
+                <a:spcPct val="100000"/>
+              </a:lnSpc>
+              <a:spcBef>
+                <a:spcPts val="0"/>
+              </a:spcBef>
+              <a:spcAft>
+                <a:spcPts val="1200"/>
+              </a:spcAft>
+              <a:buClr>
+                <a:schemeClr val="bg2">
+                  <a:lumMod val="25000"/>
+                </a:schemeClr>
+              </a:buClr>
+              <a:buSzPct val="90000"/>
+              <a:buFont typeface="Arial" panose="020B0604020202020204" pitchFamily="34" charset="0"/>
+              <a:buChar char="•"/>
+              <a:tabLst/>
+              <a:defRPr sz="1400" kern="1200">
+                <a:solidFill>
+                  <a:schemeClr val="bg2">
+                    <a:lumMod val="25000"/>
+                  </a:schemeClr>
+                </a:solidFill>
+                <a:latin typeface="+mn-lt"/>
+                <a:ea typeface="+mn-ea"/>
+                <a:cs typeface="+mn-cs"/>
+              </a:defRPr>
+            </a:lvl6pPr>
+            <a:lvl7pPr marL="1379538" indent="-120650" algn="l" defTabSz="914400" rtl="0" eaLnBrk="1" latinLnBrk="0" hangingPunct="1">
+              <a:lnSpc>
+                <a:spcPct val="100000"/>
+              </a:lnSpc>
+              <a:spcBef>
+                <a:spcPts val="0"/>
+              </a:spcBef>
+              <a:spcAft>
+                <a:spcPts val="1200"/>
+              </a:spcAft>
+              <a:buClr>
+                <a:schemeClr val="bg2">
+                  <a:lumMod val="25000"/>
+                </a:schemeClr>
+              </a:buClr>
+              <a:buSzPct val="90000"/>
+              <a:buFont typeface="System Font Regular"/>
+              <a:buChar char="-"/>
+              <a:tabLst/>
+              <a:defRPr sz="1400" kern="1200">
+                <a:solidFill>
+                  <a:schemeClr val="tx1"/>
+                </a:solidFill>
+                <a:latin typeface="+mn-lt"/>
+                <a:ea typeface="+mn-ea"/>
+                <a:cs typeface="+mn-cs"/>
+              </a:defRPr>
+            </a:lvl7pPr>
+            <a:lvl8pPr marL="1550988" indent="-120650" algn="l" defTabSz="914400" rtl="0" eaLnBrk="1" latinLnBrk="0" hangingPunct="1">
+              <a:lnSpc>
+                <a:spcPct val="100000"/>
+              </a:lnSpc>
+              <a:spcBef>
+                <a:spcPts val="0"/>
+              </a:spcBef>
+              <a:spcAft>
+                <a:spcPts val="1200"/>
+              </a:spcAft>
+              <a:buClr>
+                <a:schemeClr val="bg2">
+                  <a:lumMod val="25000"/>
+                </a:schemeClr>
+              </a:buClr>
+              <a:buSzPct val="90000"/>
+              <a:buFont typeface="Arial" panose="020B0604020202020204" pitchFamily="34" charset="0"/>
+              <a:buChar char="•"/>
+              <a:tabLst/>
+              <a:defRPr sz="1400" kern="1200">
+                <a:solidFill>
+                  <a:schemeClr val="tx1"/>
+                </a:solidFill>
+                <a:latin typeface="+mn-lt"/>
+                <a:ea typeface="+mn-ea"/>
+                <a:cs typeface="+mn-cs"/>
+              </a:defRPr>
+            </a:lvl8pPr>
+            <a:lvl9pPr marL="1722438" indent="-120650" algn="l" defTabSz="914400" rtl="0" eaLnBrk="1" latinLnBrk="0" hangingPunct="1">
+              <a:lnSpc>
+                <a:spcPct val="100000"/>
+              </a:lnSpc>
+              <a:spcBef>
+                <a:spcPts val="0"/>
+              </a:spcBef>
+              <a:spcAft>
+                <a:spcPts val="1200"/>
+              </a:spcAft>
+              <a:buClr>
+                <a:schemeClr val="bg2">
+                  <a:lumMod val="25000"/>
+                </a:schemeClr>
+              </a:buClr>
+              <a:buSzPct val="90000"/>
+              <a:buFont typeface="System Font Regular"/>
+              <a:buChar char="-"/>
+              <a:tabLst/>
+              <a:defRPr sz="1400" kern="1200">
+                <a:solidFill>
+                  <a:schemeClr val="tx1"/>
+                </a:solidFill>
+                <a:latin typeface="+mn-lt"/>
+                <a:ea typeface="+mn-ea"/>
+                <a:cs typeface="+mn-cs"/>
+              </a:defRPr>
+            </a:lvl9pPr>
+          </a:lstStyle>
+          <a:p>
+            <a:pPr>
+              <a:buNone/>
+            </a:pPr>
+            <a:r>
+              <a:rPr lang="en-US" sz="1000" dirty="0" smtClean="0"/>
+              <a:t>*(Verse 2)*  </a:t>
+            </a:r>
+          </a:p>
+          <a:p>
+            <a:r>
+              <a:rPr lang="en-US" sz="1000" dirty="0" smtClean="0"/>
+              <a:t>I set up the network, configure every switch,  </a:t>
+            </a:r>
+          </a:p>
+          <a:p>
+            <a:r>
+              <a:rPr lang="en-US" sz="1000" dirty="0" smtClean="0"/>
+              <a:t>In the vSphere world, I’m the one who’s rich,  </a:t>
+            </a:r>
+          </a:p>
+          <a:p>
+            <a:r>
+              <a:rPr lang="en-US" sz="1000" dirty="0" err="1" smtClean="0"/>
+              <a:t>Datastores</a:t>
+            </a:r>
+            <a:r>
+              <a:rPr lang="en-US" sz="1000" dirty="0" smtClean="0"/>
+              <a:t> connected, never miss a hitch,  </a:t>
+            </a:r>
+          </a:p>
+          <a:p>
+            <a:r>
+              <a:rPr lang="en-US" sz="1000" b="1" dirty="0" smtClean="0"/>
+              <a:t>With </a:t>
+            </a:r>
+            <a:r>
+              <a:rPr lang="en-US" sz="1000" b="1" dirty="0" err="1" smtClean="0"/>
+              <a:t>PowerCLI</a:t>
+            </a:r>
+            <a:r>
+              <a:rPr lang="en-US" sz="1000" b="1" dirty="0" smtClean="0"/>
+              <a:t>, I’m the one they can’t ditch.</a:t>
+            </a:r>
+            <a:r>
+              <a:rPr lang="en-US" sz="1000" dirty="0" smtClean="0"/>
+              <a:t>  </a:t>
+            </a:r>
+          </a:p>
+          <a:p>
+            <a:r>
+              <a:rPr lang="en-US" sz="1000" dirty="0" smtClean="0"/>
+              <a:t>Managing clusters, balancing the load,  </a:t>
+            </a:r>
+          </a:p>
+          <a:p>
+            <a:r>
+              <a:rPr lang="en-US" sz="1000" b="1" dirty="0" smtClean="0"/>
+              <a:t>Disaster recovery? I’m writing that code.</a:t>
+            </a:r>
+            <a:r>
+              <a:rPr lang="en-US" sz="1000" dirty="0" smtClean="0"/>
+              <a:t>  </a:t>
+            </a:r>
+          </a:p>
+          <a:p>
+            <a:r>
+              <a:rPr lang="en-US" sz="1000" dirty="0" smtClean="0"/>
+              <a:t>Snapshots on schedule, backups in mode,  </a:t>
+            </a:r>
+          </a:p>
+          <a:p>
+            <a:r>
+              <a:rPr lang="en-US" sz="1000" dirty="0" smtClean="0"/>
+              <a:t>In the world of scripts, I’m the one that’s road.</a:t>
+            </a:r>
+          </a:p>
+          <a:p>
+            <a:r>
+              <a:rPr lang="en-US" sz="1000" dirty="0" smtClean="0"/>
+              <a:t> </a:t>
+            </a:r>
+          </a:p>
+          <a:p>
+            <a:r>
+              <a:rPr lang="en-US" sz="1000" dirty="0" smtClean="0"/>
+              <a:t>*(Chorus)*  </a:t>
+            </a:r>
+          </a:p>
+          <a:p>
+            <a:r>
+              <a:rPr lang="en-US" sz="1000" dirty="0" err="1" smtClean="0"/>
+              <a:t>PowerCLI</a:t>
+            </a:r>
+            <a:r>
+              <a:rPr lang="en-US" sz="1000" dirty="0" smtClean="0"/>
+              <a:t>, yeah, I’m in control,  </a:t>
+            </a:r>
+          </a:p>
+          <a:p>
+            <a:r>
+              <a:rPr lang="en-US" sz="1000" dirty="0" smtClean="0"/>
+              <a:t>Automating everything, that’s how I roll.  </a:t>
+            </a:r>
+          </a:p>
+          <a:p>
+            <a:r>
+              <a:rPr lang="en-US" sz="1000" dirty="0" smtClean="0"/>
+              <a:t>No more clicking through, I’ve got the goal,  </a:t>
+            </a:r>
+          </a:p>
+          <a:p>
+            <a:r>
+              <a:rPr lang="en-US" sz="1000" dirty="0" smtClean="0"/>
+              <a:t>Scripts on fire, yeah, watch them unfold.</a:t>
+            </a:r>
+          </a:p>
+          <a:p>
+            <a:r>
+              <a:rPr lang="en-US" sz="1000" dirty="0" smtClean="0"/>
+              <a:t> </a:t>
+            </a:r>
+            <a:endParaRPr lang="en-US" sz="1000" dirty="0"/>
+          </a:p>
+        </p:txBody>
+      </p:sp>
+      <p:sp>
+        <p:nvSpPr>
+          <p:cNvPr id="6" name="Content Placeholder 3"/>
+          <p:cNvSpPr txBox="1">
+            <a:spLocks/>
+          </p:cNvSpPr>
+          <p:nvPr/>
+        </p:nvSpPr>
+        <p:spPr>
+          <a:xfrm>
+            <a:off x="8124553" y="1182950"/>
+            <a:ext cx="3611726" cy="5102439"/>
+          </a:xfrm>
+          <a:prstGeom prst="rect">
+            <a:avLst/>
+          </a:prstGeom>
+        </p:spPr>
+        <p:txBody>
+          <a:bodyPr vert="horz" lIns="0" tIns="0" rIns="0" bIns="0" rtlCol="0">
+            <a:noAutofit/>
+          </a:bodyPr>
+          <a:lstStyle>
+            <a:lvl1pPr marL="0" indent="0" algn="l" defTabSz="914400" rtl="0" eaLnBrk="1" latinLnBrk="0" hangingPunct="1">
+              <a:lnSpc>
+                <a:spcPct val="100000"/>
+              </a:lnSpc>
+              <a:spcBef>
+                <a:spcPts val="0"/>
+              </a:spcBef>
+              <a:spcAft>
+                <a:spcPts val="1200"/>
+              </a:spcAft>
+              <a:buClr>
+                <a:schemeClr val="tx1">
+                  <a:lumMod val="60000"/>
+                  <a:lumOff val="40000"/>
+                </a:schemeClr>
+              </a:buClr>
+              <a:buSzPct val="90000"/>
+              <a:buFont typeface="Arial" panose="020B0604020202020204" pitchFamily="34" charset="0"/>
+              <a:buChar char="​"/>
+              <a:defRPr sz="2000" kern="1200">
+                <a:solidFill>
+                  <a:schemeClr val="tx1"/>
+                </a:solidFill>
+                <a:latin typeface="+mn-lt"/>
+                <a:ea typeface="+mn-ea"/>
+                <a:cs typeface="+mn-cs"/>
+              </a:defRPr>
+            </a:lvl1pPr>
+            <a:lvl2pPr marL="457200" indent="-184150" algn="l" defTabSz="914400" rtl="0" eaLnBrk="1" latinLnBrk="0" hangingPunct="1">
+              <a:lnSpc>
+                <a:spcPct val="100000"/>
+              </a:lnSpc>
+              <a:spcBef>
+                <a:spcPts val="0"/>
+              </a:spcBef>
+              <a:spcAft>
+                <a:spcPts val="1200"/>
+              </a:spcAft>
+              <a:buClr>
+                <a:schemeClr val="bg2">
+                  <a:lumMod val="25000"/>
+                </a:schemeClr>
+              </a:buClr>
+              <a:buSzPct val="90000"/>
+              <a:buFont typeface="Arial" panose="020B0604020202020204" pitchFamily="34" charset="0"/>
+              <a:buChar char="•"/>
+              <a:defRPr sz="1800" kern="1200">
+                <a:solidFill>
+                  <a:schemeClr val="tx1"/>
+                </a:solidFill>
+                <a:latin typeface="+mn-lt"/>
+                <a:ea typeface="+mn-ea"/>
+                <a:cs typeface="+mn-cs"/>
+              </a:defRPr>
+            </a:lvl2pPr>
+            <a:lvl3pPr marL="744538" indent="-169863" algn="l" defTabSz="914400" rtl="0" eaLnBrk="1" latinLnBrk="0" hangingPunct="1">
+              <a:lnSpc>
+                <a:spcPct val="100000"/>
+              </a:lnSpc>
+              <a:spcBef>
+                <a:spcPts val="0"/>
+              </a:spcBef>
+              <a:spcAft>
+                <a:spcPts val="1200"/>
+              </a:spcAft>
+              <a:buClr>
+                <a:schemeClr val="bg2">
+                  <a:lumMod val="25000"/>
+                </a:schemeClr>
+              </a:buClr>
+              <a:buSzPct val="90000"/>
+              <a:buFont typeface="Camphor Std" panose="020B0504030404020204" pitchFamily="34" charset="0"/>
+              <a:buChar char="–"/>
+              <a:defRPr sz="1600" kern="1200">
+                <a:solidFill>
+                  <a:schemeClr val="tx1"/>
+                </a:solidFill>
+                <a:latin typeface="+mn-lt"/>
+                <a:ea typeface="+mn-ea"/>
+                <a:cs typeface="+mn-cs"/>
+              </a:defRPr>
+            </a:lvl3pPr>
+            <a:lvl4pPr marL="969963" indent="-166688" algn="l" defTabSz="914400" rtl="0" eaLnBrk="1" latinLnBrk="0" hangingPunct="1">
+              <a:lnSpc>
+                <a:spcPct val="100000"/>
+              </a:lnSpc>
+              <a:spcBef>
+                <a:spcPts val="0"/>
+              </a:spcBef>
+              <a:spcAft>
+                <a:spcPts val="1200"/>
+              </a:spcAft>
+              <a:buClr>
+                <a:schemeClr val="bg2">
+                  <a:lumMod val="25000"/>
+                </a:schemeClr>
+              </a:buClr>
+              <a:buSzPct val="90000"/>
+              <a:buFont typeface="Arial" panose="020B0604020202020204" pitchFamily="34" charset="0"/>
+              <a:buChar char="•"/>
+              <a:defRPr sz="1400" kern="1200">
+                <a:solidFill>
+                  <a:schemeClr val="tx1"/>
+                </a:solidFill>
+                <a:latin typeface="+mn-lt"/>
+                <a:ea typeface="+mn-ea"/>
+                <a:cs typeface="+mn-cs"/>
+              </a:defRPr>
+            </a:lvl4pPr>
+            <a:lvl5pPr marL="1143000" indent="-138113" algn="l" defTabSz="914400" rtl="0" eaLnBrk="1" latinLnBrk="0" hangingPunct="1">
+              <a:lnSpc>
+                <a:spcPct val="100000"/>
+              </a:lnSpc>
+              <a:spcBef>
+                <a:spcPts val="0"/>
+              </a:spcBef>
+              <a:spcAft>
+                <a:spcPts val="1200"/>
+              </a:spcAft>
+              <a:buClr>
+                <a:schemeClr val="bg2">
+                  <a:lumMod val="25000"/>
+                </a:schemeClr>
+              </a:buClr>
+              <a:buSzPct val="90000"/>
+              <a:buFont typeface="Camphor Std" panose="020B0504030404020204" pitchFamily="34" charset="0"/>
+              <a:buChar char="–"/>
+              <a:tabLst/>
+              <a:defRPr sz="1400" kern="1200">
+                <a:solidFill>
+                  <a:schemeClr val="tx1"/>
+                </a:solidFill>
+                <a:latin typeface="+mn-lt"/>
+                <a:ea typeface="+mn-ea"/>
+                <a:cs typeface="+mn-cs"/>
+              </a:defRPr>
+            </a:lvl5pPr>
+            <a:lvl6pPr marL="1258888" indent="-111125" algn="l" defTabSz="914400" rtl="0" eaLnBrk="1" latinLnBrk="0" hangingPunct="1">
+              <a:lnSpc>
+                <a:spcPct val="100000"/>
+              </a:lnSpc>
+              <a:spcBef>
+                <a:spcPts val="0"/>
+              </a:spcBef>
+              <a:spcAft>
+                <a:spcPts val="1200"/>
+              </a:spcAft>
+              <a:buClr>
+                <a:schemeClr val="bg2">
+                  <a:lumMod val="25000"/>
+                </a:schemeClr>
+              </a:buClr>
+              <a:buSzPct val="90000"/>
+              <a:buFont typeface="Arial" panose="020B0604020202020204" pitchFamily="34" charset="0"/>
+              <a:buChar char="•"/>
+              <a:tabLst/>
+              <a:defRPr sz="1400" kern="1200">
+                <a:solidFill>
+                  <a:schemeClr val="bg2">
+                    <a:lumMod val="25000"/>
+                  </a:schemeClr>
+                </a:solidFill>
+                <a:latin typeface="+mn-lt"/>
+                <a:ea typeface="+mn-ea"/>
+                <a:cs typeface="+mn-cs"/>
+              </a:defRPr>
+            </a:lvl6pPr>
+            <a:lvl7pPr marL="1379538" indent="-120650" algn="l" defTabSz="914400" rtl="0" eaLnBrk="1" latinLnBrk="0" hangingPunct="1">
+              <a:lnSpc>
+                <a:spcPct val="100000"/>
+              </a:lnSpc>
+              <a:spcBef>
+                <a:spcPts val="0"/>
+              </a:spcBef>
+              <a:spcAft>
+                <a:spcPts val="1200"/>
+              </a:spcAft>
+              <a:buClr>
+                <a:schemeClr val="bg2">
+                  <a:lumMod val="25000"/>
+                </a:schemeClr>
+              </a:buClr>
+              <a:buSzPct val="90000"/>
+              <a:buFont typeface="System Font Regular"/>
+              <a:buChar char="-"/>
+              <a:tabLst/>
+              <a:defRPr sz="1400" kern="1200">
+                <a:solidFill>
+                  <a:schemeClr val="tx1"/>
+                </a:solidFill>
+                <a:latin typeface="+mn-lt"/>
+                <a:ea typeface="+mn-ea"/>
+                <a:cs typeface="+mn-cs"/>
+              </a:defRPr>
+            </a:lvl7pPr>
+            <a:lvl8pPr marL="1550988" indent="-120650" algn="l" defTabSz="914400" rtl="0" eaLnBrk="1" latinLnBrk="0" hangingPunct="1">
+              <a:lnSpc>
+                <a:spcPct val="100000"/>
+              </a:lnSpc>
+              <a:spcBef>
+                <a:spcPts val="0"/>
+              </a:spcBef>
+              <a:spcAft>
+                <a:spcPts val="1200"/>
+              </a:spcAft>
+              <a:buClr>
+                <a:schemeClr val="bg2">
+                  <a:lumMod val="25000"/>
+                </a:schemeClr>
+              </a:buClr>
+              <a:buSzPct val="90000"/>
+              <a:buFont typeface="Arial" panose="020B0604020202020204" pitchFamily="34" charset="0"/>
+              <a:buChar char="•"/>
+              <a:tabLst/>
+              <a:defRPr sz="1400" kern="1200">
+                <a:solidFill>
+                  <a:schemeClr val="tx1"/>
+                </a:solidFill>
+                <a:latin typeface="+mn-lt"/>
+                <a:ea typeface="+mn-ea"/>
+                <a:cs typeface="+mn-cs"/>
+              </a:defRPr>
+            </a:lvl8pPr>
+            <a:lvl9pPr marL="1722438" indent="-120650" algn="l" defTabSz="914400" rtl="0" eaLnBrk="1" latinLnBrk="0" hangingPunct="1">
+              <a:lnSpc>
+                <a:spcPct val="100000"/>
+              </a:lnSpc>
+              <a:spcBef>
+                <a:spcPts val="0"/>
+              </a:spcBef>
+              <a:spcAft>
+                <a:spcPts val="1200"/>
+              </a:spcAft>
+              <a:buClr>
+                <a:schemeClr val="bg2">
+                  <a:lumMod val="25000"/>
+                </a:schemeClr>
+              </a:buClr>
+              <a:buSzPct val="90000"/>
+              <a:buFont typeface="System Font Regular"/>
+              <a:buChar char="-"/>
+              <a:tabLst/>
+              <a:defRPr sz="1400" kern="1200">
+                <a:solidFill>
+                  <a:schemeClr val="tx1"/>
+                </a:solidFill>
+                <a:latin typeface="+mn-lt"/>
+                <a:ea typeface="+mn-ea"/>
+                <a:cs typeface="+mn-cs"/>
+              </a:defRPr>
+            </a:lvl9pPr>
+          </a:lstStyle>
+          <a:p>
+            <a:r>
+              <a:rPr lang="en-US" sz="1000" dirty="0" smtClean="0"/>
+              <a:t> *(Bridge)*  </a:t>
+            </a:r>
+          </a:p>
+          <a:p>
+            <a:r>
+              <a:rPr lang="en-US" sz="1000" dirty="0" smtClean="0"/>
+              <a:t>From </a:t>
+            </a:r>
+            <a:r>
+              <a:rPr lang="en-US" sz="1000" dirty="0" err="1" smtClean="0"/>
+              <a:t>vMotions</a:t>
+            </a:r>
+            <a:r>
+              <a:rPr lang="en-US" sz="1000" dirty="0" smtClean="0"/>
+              <a:t> to HA, I’ve got it in my hand,  </a:t>
+            </a:r>
+          </a:p>
+          <a:p>
+            <a:r>
+              <a:rPr lang="en-US" sz="1000" dirty="0" smtClean="0"/>
+              <a:t>Scaling up the infra, making every stand.  </a:t>
+            </a:r>
+          </a:p>
+          <a:p>
+            <a:r>
+              <a:rPr lang="en-US" sz="1000" b="1" dirty="0" smtClean="0"/>
+              <a:t>Command after command, in the terminal I land,  </a:t>
+            </a:r>
+          </a:p>
+          <a:p>
+            <a:r>
+              <a:rPr lang="en-US" sz="1000" b="1" dirty="0" err="1" smtClean="0"/>
+              <a:t>PowerCLI’s</a:t>
+            </a:r>
+            <a:r>
+              <a:rPr lang="en-US" sz="1000" b="1" dirty="0" smtClean="0"/>
+              <a:t> my weapon, and I’m in demand.</a:t>
+            </a:r>
+          </a:p>
+          <a:p>
+            <a:r>
+              <a:rPr lang="en-US" sz="1000" dirty="0" smtClean="0"/>
+              <a:t> </a:t>
+            </a:r>
+          </a:p>
+          <a:p>
+            <a:r>
+              <a:rPr lang="en-US" sz="1000" dirty="0" smtClean="0"/>
+              <a:t>*(Chorus)*  </a:t>
+            </a:r>
+          </a:p>
+          <a:p>
+            <a:r>
+              <a:rPr lang="en-US" sz="1000" dirty="0" err="1" smtClean="0"/>
+              <a:t>PowerCLI</a:t>
+            </a:r>
+            <a:r>
+              <a:rPr lang="en-US" sz="1000" dirty="0" smtClean="0"/>
+              <a:t>, yeah, I’m in control,  </a:t>
+            </a:r>
+          </a:p>
+          <a:p>
+            <a:r>
+              <a:rPr lang="en-US" sz="1000" dirty="0" smtClean="0"/>
+              <a:t>Automating everything, that’s how I roll.  </a:t>
+            </a:r>
+          </a:p>
+          <a:p>
+            <a:r>
+              <a:rPr lang="en-US" sz="1000" dirty="0" smtClean="0"/>
+              <a:t>No more clicking through, I’ve got the goal,  </a:t>
+            </a:r>
+          </a:p>
+          <a:p>
+            <a:r>
+              <a:rPr lang="en-US" sz="1000" dirty="0" smtClean="0"/>
+              <a:t>Scripts on fire, yeah, watch them unfold.</a:t>
+            </a:r>
+          </a:p>
+          <a:p>
+            <a:r>
+              <a:rPr lang="en-US" sz="1000" dirty="0" smtClean="0"/>
+              <a:t> </a:t>
+            </a:r>
+          </a:p>
+          <a:p>
+            <a:r>
+              <a:rPr lang="en-US" sz="1000" dirty="0" smtClean="0"/>
+              <a:t>*(Outro)*  </a:t>
+            </a:r>
+          </a:p>
+          <a:p>
+            <a:r>
+              <a:rPr lang="en-US" sz="1000" dirty="0" smtClean="0"/>
+              <a:t>So when you see me in the datacenter, know I’ve got the keys,  </a:t>
+            </a:r>
+          </a:p>
+          <a:p>
+            <a:r>
+              <a:rPr lang="en-US" sz="1000" dirty="0" smtClean="0"/>
+              <a:t>Running those commands, making life a breeze.  </a:t>
+            </a:r>
+          </a:p>
+          <a:p>
+            <a:r>
+              <a:rPr lang="en-US" sz="1000" dirty="0" smtClean="0"/>
+              <a:t>With </a:t>
+            </a:r>
+            <a:r>
+              <a:rPr lang="en-US" sz="1000" dirty="0" err="1" smtClean="0"/>
+              <a:t>PowerCLI</a:t>
+            </a:r>
+            <a:r>
+              <a:rPr lang="en-US" sz="1000" dirty="0" smtClean="0"/>
+              <a:t>, I’m doing it with ease,  </a:t>
+            </a:r>
+          </a:p>
+          <a:p>
+            <a:r>
+              <a:rPr lang="en-US" sz="1000" b="1" dirty="0" smtClean="0"/>
+              <a:t>In the world of IT, I’m the king of these trees</a:t>
+            </a:r>
+            <a:r>
+              <a:rPr lang="en-US" sz="1000" dirty="0" smtClean="0"/>
+              <a:t>.</a:t>
+            </a:r>
+          </a:p>
+          <a:p>
+            <a:endParaRPr lang="en-US" sz="1000" dirty="0"/>
+          </a:p>
+        </p:txBody>
+      </p:sp>
+    </p:spTree>
+    <p:extLst>
+      <p:ext uri="{BB962C8B-B14F-4D97-AF65-F5344CB8AC3E}">
+        <p14:creationId xmlns:p14="http://schemas.microsoft.com/office/powerpoint/2010/main" val="3547289123"/>
+      </p:ext>
+    </p:extLst>
+  </p:cSld>
+  <p:clrMapOvr>
+    <a:masterClrMapping/>
+  </p:clrMapOvr>
+  <mc:AlternateContent xmlns:mc="http://schemas.openxmlformats.org/markup-compatibility/2006" xmlns:p14="http://schemas.microsoft.com/office/powerpoint/2010/main">
+    <mc:Choice Requires="p14">
+      <p:transition spd="med" p14:dur="700">
+        <p:fade/>
+      </p:transition>
+    </mc:Choice>
+    <mc:Fallback xmlns="">
+      <p:transition spd="med">
+        <p:fade/>
+      </p:transition>
+    </mc:Fallback>
+  </mc:AlternateContent>
+</p:sld>
+</file>
+
+<file path=ppt/slides/slide25.xml><?xml version="1.0" encoding="utf-8"?>
+<p:sld xmlns:a="http://schemas.openxmlformats.org/drawingml/2006/main" xmlns:r="http://schemas.openxmlformats.org/officeDocument/2006/relationships" xmlns:p="http://schemas.openxmlformats.org/presentationml/2006/main">
+  <p:cSld>
+    <p:spTree>
+      <p:nvGrpSpPr>
+        <p:cNvPr id="1" name=""/>
+        <p:cNvGrpSpPr/>
+        <p:nvPr/>
+      </p:nvGrpSpPr>
+      <p:grpSpPr>
+        <a:xfrm>
+          <a:off x="0" y="0"/>
+          <a:ext cx="0" cy="0"/>
+          <a:chOff x="0" y="0"/>
+          <a:chExt cx="0" cy="0"/>
+        </a:xfrm>
+      </p:grpSpPr>
+      <p:sp>
+        <p:nvSpPr>
           <p:cNvPr id="2" name="Title 1">
             <a:extLst>
               <a:ext uri="{FF2B5EF4-FFF2-40B4-BE49-F238E27FC236}">
@@ -23527,10 +24681,20 @@
             </a:r>
           </a:p>
           <a:p>
-            <a:r>
-              <a:rPr lang="en-US" sz="2000" dirty="0"/>
-              <a:t>https://github.com/jpsider/Invoke-Automation/tree/master/Powercli/VMwareExplore_2024</a:t>
-            </a:r>
+            <a:endParaRPr lang="en-US" sz="2000" dirty="0"/>
+          </a:p>
+          <a:p>
+            <a:r>
+              <a:rPr lang="en-US" sz="4400" dirty="0" smtClean="0"/>
+              <a:t>Join the VMware {code} Hackathon tonight!  </a:t>
+            </a:r>
+          </a:p>
+          <a:p>
+            <a:r>
+              <a:rPr lang="en-US" sz="4400" dirty="0" smtClean="0"/>
+              <a:t>7-11pm Hall G</a:t>
+            </a:r>
+            <a:endParaRPr lang="en-US" sz="4400" dirty="0"/>
           </a:p>
         </p:txBody>
       </p:sp>
@@ -23610,6 +24774,127 @@
               </a:rPr>
               <a:t>All Rights Reserved. The term “Broadcom” refers to Broadcom Inc. and/or its subsidiaries.</a:t>
             </a:r>
+          </a:p>
+        </p:txBody>
+      </p:sp>
+      <p:pic>
+        <p:nvPicPr>
+          <p:cNvPr id="5" name="Picture 4"/>
+          <p:cNvPicPr>
+            <a:picLocks noChangeAspect="1"/>
+          </p:cNvPicPr>
+          <p:nvPr/>
+        </p:nvPicPr>
+        <p:blipFill>
+          <a:blip r:embed="rId2"/>
+          <a:stretch>
+            <a:fillRect/>
+          </a:stretch>
+        </p:blipFill>
+        <p:spPr>
+          <a:xfrm>
+            <a:off x="7945457" y="473904"/>
+            <a:ext cx="3392631" cy="3176872"/>
+          </a:xfrm>
+          <a:prstGeom prst="rect">
+            <a:avLst/>
+          </a:prstGeom>
+        </p:spPr>
+      </p:pic>
+      <p:sp>
+        <p:nvSpPr>
+          <p:cNvPr id="6" name="TextBox 5"/>
+          <p:cNvSpPr txBox="1"/>
+          <p:nvPr/>
+        </p:nvSpPr>
+        <p:spPr>
+          <a:xfrm>
+            <a:off x="4520571" y="1375581"/>
+            <a:ext cx="2103634" cy="480131"/>
+          </a:xfrm>
+          <a:prstGeom prst="rect">
+            <a:avLst/>
+          </a:prstGeom>
+          <a:noFill/>
+        </p:spPr>
+        <p:txBody>
+          <a:bodyPr wrap="square" lIns="0" tIns="0" rIns="0" bIns="0" rtlCol="0">
+            <a:spAutoFit/>
+          </a:bodyPr>
+          <a:lstStyle/>
+          <a:p>
+            <a:pPr algn="l">
+              <a:lnSpc>
+                <a:spcPct val="130000"/>
+              </a:lnSpc>
+            </a:pPr>
+            <a:r>
+              <a:rPr lang="en-US" sz="2400" dirty="0">
+                <a:solidFill>
+                  <a:schemeClr val="bg1"/>
+                </a:solidFill>
+                <a:latin typeface="+mj-lt"/>
+              </a:rPr>
+              <a:t>Slides &amp; Code</a:t>
+            </a:r>
+          </a:p>
+        </p:txBody>
+      </p:sp>
+      <p:sp>
+        <p:nvSpPr>
+          <p:cNvPr id="7" name="Bent-Up Arrow 6"/>
+          <p:cNvSpPr/>
+          <p:nvPr/>
+        </p:nvSpPr>
+        <p:spPr>
+          <a:xfrm rot="5400000">
+            <a:off x="5763747" y="1609287"/>
+            <a:ext cx="957836" cy="1704112"/>
+          </a:xfrm>
+          <a:prstGeom prst="bentUpArrow">
+            <a:avLst/>
+          </a:prstGeom>
+          <a:solidFill>
+            <a:schemeClr val="bg2"/>
+          </a:solidFill>
+          <a:ln>
+            <a:noFill/>
+          </a:ln>
+          <a:effectLst/>
+        </p:spPr>
+        <p:style>
+          <a:lnRef idx="1">
+            <a:schemeClr val="accent1"/>
+          </a:lnRef>
+          <a:fillRef idx="3">
+            <a:schemeClr val="accent1"/>
+          </a:fillRef>
+          <a:effectRef idx="2">
+            <a:schemeClr val="accent1"/>
+          </a:effectRef>
+          <a:fontRef idx="minor">
+            <a:schemeClr val="lt1"/>
+          </a:fontRef>
+        </p:style>
+        <p:txBody>
+          <a:bodyPr rot="0" spcFirstLastPara="0" vertOverflow="overflow" horzOverflow="overflow" vert="horz" wrap="square" lIns="91440" tIns="45720" rIns="91440" bIns="45720" numCol="1" spcCol="0" rtlCol="0" fromWordArt="0" anchor="ctr" anchorCtr="0" forceAA="0" compatLnSpc="1">
+            <a:prstTxWarp prst="textNoShape">
+              <a:avLst/>
+            </a:prstTxWarp>
+            <a:noAutofit/>
+          </a:bodyPr>
+          <a:lstStyle/>
+          <a:p>
+            <a:pPr algn="ctr">
+              <a:spcAft>
+                <a:spcPts val="600"/>
+              </a:spcAft>
+            </a:pPr>
+            <a:endParaRPr lang="en-US" sz="1200" smtClean="0">
+              <a:solidFill>
+                <a:schemeClr val="bg1"/>
+              </a:solidFill>
+            </a:endParaRPr>
           </a:p>
         </p:txBody>
       </p:sp>
@@ -23730,6 +25015,66 @@
               <a:t> code</a:t>
             </a:r>
             <a:endParaRPr lang="en-US" dirty="0"/>
+          </a:p>
+        </p:txBody>
+      </p:sp>
+      <p:pic>
+        <p:nvPicPr>
+          <p:cNvPr id="5" name="Picture 4"/>
+          <p:cNvPicPr>
+            <a:picLocks noChangeAspect="1"/>
+          </p:cNvPicPr>
+          <p:nvPr/>
+        </p:nvPicPr>
+        <p:blipFill>
+          <a:blip r:embed="rId2"/>
+          <a:stretch>
+            <a:fillRect/>
+          </a:stretch>
+        </p:blipFill>
+        <p:spPr>
+          <a:xfrm>
+            <a:off x="7945457" y="473904"/>
+            <a:ext cx="3392631" cy="3176872"/>
+          </a:xfrm>
+          <a:prstGeom prst="rect">
+            <a:avLst/>
+          </a:prstGeom>
+        </p:spPr>
+      </p:pic>
+      <p:sp>
+        <p:nvSpPr>
+          <p:cNvPr id="6" name="TextBox 5"/>
+          <p:cNvSpPr txBox="1"/>
+          <p:nvPr/>
+        </p:nvSpPr>
+        <p:spPr>
+          <a:xfrm>
+            <a:off x="8589955" y="3559488"/>
+            <a:ext cx="2103634" cy="430118"/>
+          </a:xfrm>
+          <a:prstGeom prst="rect">
+            <a:avLst/>
+          </a:prstGeom>
+          <a:noFill/>
+        </p:spPr>
+        <p:txBody>
+          <a:bodyPr wrap="square" lIns="0" tIns="0" rIns="0" bIns="0" rtlCol="0">
+            <a:spAutoFit/>
+          </a:bodyPr>
+          <a:lstStyle/>
+          <a:p>
+            <a:pPr algn="l">
+              <a:lnSpc>
+                <a:spcPct val="130000"/>
+              </a:lnSpc>
+            </a:pPr>
+            <a:r>
+              <a:rPr lang="en-US" sz="2400" dirty="0">
+                <a:latin typeface="+mj-lt"/>
+              </a:rPr>
+              <a:t>Slides &amp; Code</a:t>
+            </a:r>
           </a:p>
         </p:txBody>
       </p:sp>
@@ -24128,7 +25473,7 @@
         </p:blipFill>
         <p:spPr>
           <a:xfrm>
-            <a:off x="6295806" y="3543300"/>
+            <a:off x="5869677" y="2300427"/>
             <a:ext cx="5198356" cy="2353783"/>
           </a:xfrm>
           <a:prstGeom prst="rect">
@@ -25924,15 +27269,6 @@
 </file>
 
 <file path=customXml/item1.xml><?xml version="1.0" encoding="utf-8"?>
-<?mso-contentType ?>
-<FormTemplates xmlns="http://schemas.microsoft.com/sharepoint/v3/contenttype/forms">
-  <Display>DocumentLibraryForm</Display>
-  <Edit>DocumentLibraryForm</Edit>
-  <New>DocumentLibraryForm</New>
-</FormTemplates>
-</file>
-
-<file path=customXml/item2.xml><?xml version="1.0" encoding="utf-8"?>
 <ct:contentTypeSchema xmlns:ct="http://schemas.microsoft.com/office/2006/metadata/contentType" xmlns:ma="http://schemas.microsoft.com/office/2006/metadata/properties/metaAttributes" ct:_="" ma:_="" ma:contentTypeName="Document" ma:contentTypeID="0x0101008B3F91C0C4ECEE479555FEA4A4EB2B48" ma:contentTypeVersion="15" ma:contentTypeDescription="Create a new document." ma:contentTypeScope="" ma:versionID="c6a87b1e4bc033b72f454e04dac54d88">
   <xsd:schema xmlns:xsd="http://www.w3.org/2001/XMLSchema" xmlns:xs="http://www.w3.org/2001/XMLSchema" xmlns:p="http://schemas.microsoft.com/office/2006/metadata/properties" xmlns:ns2="34d4d772-b3f2-47fc-9a2d-2126f9957ae8" xmlns:ns3="d345b56e-75a0-4ca8-9b4b-110cb999efd5" targetNamespace="http://schemas.microsoft.com/office/2006/metadata/properties" ma:root="true" ma:fieldsID="6eb14a52ad1190b1f78ecaeae027f828" ns2:_="" ns3:_="">
     <xsd:import namespace="34d4d772-b3f2-47fc-9a2d-2126f9957ae8"/>
@@ -26167,6 +27503,15 @@
 </ct:contentTypeSchema>
 </file>
 
+<file path=customXml/item2.xml><?xml version="1.0" encoding="utf-8"?>
+<?mso-contentType ?>
+<FormTemplates xmlns="http://schemas.microsoft.com/sharepoint/v3/contenttype/forms">
+  <Display>DocumentLibraryForm</Display>
+  <Edit>DocumentLibraryForm</Edit>
+  <New>DocumentLibraryForm</New>
+</FormTemplates>
+</file>
+
 <file path=customXml/item3.xml><?xml version="1.0" encoding="utf-8"?>
 <p:properties xmlns:p="http://schemas.microsoft.com/office/2006/metadata/properties" xmlns:xsi="http://www.w3.org/2001/XMLSchema-instance" xmlns:pc="http://schemas.microsoft.com/office/infopath/2007/PartnerControls">
   <documentManagement>
@@ -26191,14 +27536,6 @@
 </file>
 
 <file path=customXml/itemProps1.xml><?xml version="1.0" encoding="utf-8"?>
-<ds:datastoreItem xmlns:ds="http://schemas.openxmlformats.org/officeDocument/2006/customXml" ds:itemID="{BAD99180-4DF7-4231-B572-5E5D5B192DA4}">
-  <ds:schemaRefs>
-    <ds:schemaRef ds:uri="http://schemas.microsoft.com/sharepoint/v3/contenttype/forms"/>
-  </ds:schemaRefs>
-</ds:datastoreItem>
-</file>
-
-<file path=customXml/itemProps2.xml><?xml version="1.0" encoding="utf-8"?>
 <ds:datastoreItem xmlns:ds="http://schemas.openxmlformats.org/officeDocument/2006/customXml" ds:itemID="{28FF4D8F-9B19-4DA8-8A71-562BBA95DCB6}">
   <ds:schemaRefs>
     <ds:schemaRef ds:uri="http://schemas.microsoft.com/office/2006/metadata/contentType"/>
@@ -26213,6 +27550,14 @@
     <ds:schemaRef ds:uri="http://purl.org/dc/elements/1.1/"/>
     <ds:schemaRef ds:uri="http://purl.org/dc/terms/"/>
     <ds:schemaRef ds:uri="http://schemas.microsoft.com/internal/obd"/>
+  </ds:schemaRefs>
+</ds:datastoreItem>
+</file>
+
+<file path=customXml/itemProps2.xml><?xml version="1.0" encoding="utf-8"?>
+<ds:datastoreItem xmlns:ds="http://schemas.openxmlformats.org/officeDocument/2006/customXml" ds:itemID="{BAD99180-4DF7-4231-B572-5E5D5B192DA4}">
+  <ds:schemaRefs>
+    <ds:schemaRef ds:uri="http://schemas.microsoft.com/sharepoint/v3/contenttype/forms"/>
   </ds:schemaRefs>
 </ds:datastoreItem>
 </file>

--- a/Powercli/VMwareExplore_2024/PowerCLI_201/CODE1744LV - PowerCLI 201 - From the Shell to Writing Scripts.pptx
+++ b/Powercli/VMwareExplore_2024/PowerCLI_201/CODE1744LV - PowerCLI 201 - From the Shell to Writing Scripts.pptx
@@ -297,7 +297,7 @@
               <a:rPr lang="en-US" smtClean="0">
                 <a:latin typeface="Metropolis" panose="00000500000000000000" pitchFamily="50" charset="0"/>
               </a:rPr>
-              <a:t>8/26/2024</a:t>
+              <a:t>8/28/2024</a:t>
             </a:fld>
             <a:endParaRPr lang="en-US">
               <a:latin typeface="Metropolis" panose="00000500000000000000" pitchFamily="50" charset="0"/>
@@ -475,7 +475,7 @@
             <a:fld id="{3CB6F0DB-E055-41D0-9102-627A646E4242}" type="datetimeFigureOut">
               <a:rPr lang="en-US" smtClean="0"/>
               <a:pPr/>
-              <a:t>8/26/2024</a:t>
+              <a:t>8/28/2024</a:t>
             </a:fld>
             <a:endParaRPr lang="en-US"/>
           </a:p>
@@ -888,7 +888,7 @@
           <a:blip r:embed="rId3">
             <a:extLst>
               <a:ext uri="{96DAC541-7B7A-43D3-8B79-37D633B846F1}">
-                <asvg:svgBlip xmlns:asvg="http://schemas.microsoft.com/office/drawing/2016/SVG/main" xmlns="" r:embed="rId4"/>
+                <asvg:svgBlip xmlns="" xmlns:asvg="http://schemas.microsoft.com/office/drawing/2016/SVG/main" r:embed="rId4"/>
               </a:ext>
             </a:extLst>
           </a:blip>
@@ -1451,7 +1451,7 @@
                 <a16:creationId xmlns:a16="http://schemas.microsoft.com/office/drawing/2014/main" id="{AA1B5F83-A93D-544C-8DB4-B164DBF2F72D}"/>
               </a:ext>
               <a:ext uri="{C183D7F6-B498-43B3-948B-1728B52AA6E4}">
-                <adec:decorative xmlns:adec="http://schemas.microsoft.com/office/drawing/2017/decorative" xmlns="" val="1"/>
+                <adec:decorative xmlns="" xmlns:adec="http://schemas.microsoft.com/office/drawing/2017/decorative" val="1"/>
               </a:ext>
             </a:extLst>
           </p:cNvPr>
@@ -1663,7 +1663,7 @@
                 <a16:creationId xmlns:a16="http://schemas.microsoft.com/office/drawing/2014/main" id="{417D4F8B-2025-D14C-A41E-9C0B401DE6B0}"/>
               </a:ext>
               <a:ext uri="{C183D7F6-B498-43B3-948B-1728B52AA6E4}">
-                <adec:decorative xmlns:adec="http://schemas.microsoft.com/office/drawing/2017/decorative" xmlns="" val="1"/>
+                <adec:decorative xmlns="" xmlns:adec="http://schemas.microsoft.com/office/drawing/2017/decorative" val="1"/>
               </a:ext>
             </a:extLst>
           </p:cNvPr>
@@ -2129,7 +2129,7 @@
                 <a16:creationId xmlns:a16="http://schemas.microsoft.com/office/drawing/2014/main" id="{B164666E-28C9-844E-91D8-ECA2F1E57595}"/>
               </a:ext>
               <a:ext uri="{C183D7F6-B498-43B3-948B-1728B52AA6E4}">
-                <adec:decorative xmlns:adec="http://schemas.microsoft.com/office/drawing/2017/decorative" xmlns="" val="1"/>
+                <adec:decorative xmlns="" xmlns:adec="http://schemas.microsoft.com/office/drawing/2017/decorative" val="1"/>
               </a:ext>
             </a:extLst>
           </p:cNvPr>
@@ -2342,7 +2342,7 @@
                 <a16:creationId xmlns:a16="http://schemas.microsoft.com/office/drawing/2014/main" id="{97B963A1-3810-7A40-8918-6D6D68B4A836}"/>
               </a:ext>
               <a:ext uri="{C183D7F6-B498-43B3-948B-1728B52AA6E4}">
-                <adec:decorative xmlns:adec="http://schemas.microsoft.com/office/drawing/2017/decorative" xmlns="" val="1"/>
+                <adec:decorative xmlns="" xmlns:adec="http://schemas.microsoft.com/office/drawing/2017/decorative" val="1"/>
               </a:ext>
             </a:extLst>
           </p:cNvPr>
@@ -2464,7 +2464,7 @@
                 <a16:creationId xmlns:a16="http://schemas.microsoft.com/office/drawing/2014/main" id="{E17DA4B3-27AC-8A64-FD5E-59AEAE0D8559}"/>
               </a:ext>
               <a:ext uri="{C183D7F6-B498-43B3-948B-1728B52AA6E4}">
-                <adec:decorative xmlns:adec="http://schemas.microsoft.com/office/drawing/2017/decorative" xmlns="" val="1"/>
+                <adec:decorative xmlns="" xmlns:adec="http://schemas.microsoft.com/office/drawing/2017/decorative" val="1"/>
               </a:ext>
             </a:extLst>
           </p:cNvPr>
@@ -2984,7 +2984,7 @@
                 <a16:creationId xmlns:a16="http://schemas.microsoft.com/office/drawing/2014/main" id="{D864AC6E-1611-244C-BA28-696924BAB259}"/>
               </a:ext>
               <a:ext uri="{C183D7F6-B498-43B3-948B-1728B52AA6E4}">
-                <adec:decorative xmlns:adec="http://schemas.microsoft.com/office/drawing/2017/decorative" xmlns="" val="1"/>
+                <adec:decorative xmlns="" xmlns:adec="http://schemas.microsoft.com/office/drawing/2017/decorative" val="1"/>
               </a:ext>
             </a:extLst>
           </p:cNvPr>
@@ -3597,7 +3597,7 @@
                 <a16:creationId xmlns:a16="http://schemas.microsoft.com/office/drawing/2014/main" id="{85B60DB8-F067-969E-72B5-4E90025E5BF8}"/>
               </a:ext>
               <a:ext uri="{C183D7F6-B498-43B3-948B-1728B52AA6E4}">
-                <adec:decorative xmlns:adec="http://schemas.microsoft.com/office/drawing/2017/decorative" xmlns="" val="1"/>
+                <adec:decorative xmlns="" xmlns:adec="http://schemas.microsoft.com/office/drawing/2017/decorative" val="1"/>
               </a:ext>
             </a:extLst>
           </p:cNvPr>
@@ -4100,7 +4100,7 @@
                 <a16:creationId xmlns:a16="http://schemas.microsoft.com/office/drawing/2014/main" id="{F7E2C737-3A4D-924A-88B5-FA4D5C8A07C7}"/>
               </a:ext>
               <a:ext uri="{C183D7F6-B498-43B3-948B-1728B52AA6E4}">
-                <adec:decorative xmlns:adec="http://schemas.microsoft.com/office/drawing/2017/decorative" xmlns="" val="1"/>
+                <adec:decorative xmlns="" xmlns:adec="http://schemas.microsoft.com/office/drawing/2017/decorative" val="1"/>
               </a:ext>
             </a:extLst>
           </p:cNvPr>
@@ -4698,7 +4698,7 @@
                 <a16:creationId xmlns:a16="http://schemas.microsoft.com/office/drawing/2014/main" id="{56D4D92B-574E-4F63-A5BA-8F7282B54C27}"/>
               </a:ext>
               <a:ext uri="{C183D7F6-B498-43B3-948B-1728B52AA6E4}">
-                <adec:decorative xmlns:adec="http://schemas.microsoft.com/office/drawing/2017/decorative" xmlns="" val="1"/>
+                <adec:decorative xmlns="" xmlns:adec="http://schemas.microsoft.com/office/drawing/2017/decorative" val="1"/>
               </a:ext>
             </a:extLst>
           </p:cNvPr>
@@ -4862,7 +4862,7 @@
                 <a16:creationId xmlns:a16="http://schemas.microsoft.com/office/drawing/2014/main" id="{F789B473-DDE6-4450-A111-3761F341AAE3}"/>
               </a:ext>
               <a:ext uri="{C183D7F6-B498-43B3-948B-1728B52AA6E4}">
-                <adec:decorative xmlns:adec="http://schemas.microsoft.com/office/drawing/2017/decorative" xmlns="" val="1"/>
+                <adec:decorative xmlns="" xmlns:adec="http://schemas.microsoft.com/office/drawing/2017/decorative" val="1"/>
               </a:ext>
             </a:extLst>
           </p:cNvPr>
@@ -5372,7 +5372,7 @@
                 <a16:creationId xmlns:a16="http://schemas.microsoft.com/office/drawing/2014/main" id="{14F46384-B6E3-0D43-924E-874DEC2344B1}"/>
               </a:ext>
               <a:ext uri="{C183D7F6-B498-43B3-948B-1728B52AA6E4}">
-                <adec:decorative xmlns:adec="http://schemas.microsoft.com/office/drawing/2017/decorative" xmlns="" val="1"/>
+                <adec:decorative xmlns="" xmlns:adec="http://schemas.microsoft.com/office/drawing/2017/decorative" val="1"/>
               </a:ext>
             </a:extLst>
           </p:cNvPr>
@@ -5519,7 +5519,7 @@
                 <a16:creationId xmlns:a16="http://schemas.microsoft.com/office/drawing/2014/main" id="{33526770-8F35-FB4A-8638-521D0DA87F6C}"/>
               </a:ext>
               <a:ext uri="{C183D7F6-B498-43B3-948B-1728B52AA6E4}">
-                <adec:decorative xmlns:adec="http://schemas.microsoft.com/office/drawing/2017/decorative" xmlns="" val="1"/>
+                <adec:decorative xmlns="" xmlns:adec="http://schemas.microsoft.com/office/drawing/2017/decorative" val="1"/>
               </a:ext>
             </a:extLst>
           </p:cNvPr>
@@ -5666,7 +5666,7 @@
                 <a16:creationId xmlns:a16="http://schemas.microsoft.com/office/drawing/2014/main" id="{73C08A52-2522-8C40-B8B1-C98FEBB888F7}"/>
               </a:ext>
               <a:ext uri="{C183D7F6-B498-43B3-948B-1728B52AA6E4}">
-                <adec:decorative xmlns:adec="http://schemas.microsoft.com/office/drawing/2017/decorative" xmlns="" val="1"/>
+                <adec:decorative xmlns="" xmlns:adec="http://schemas.microsoft.com/office/drawing/2017/decorative" val="1"/>
               </a:ext>
             </a:extLst>
           </p:cNvPr>
@@ -5813,7 +5813,7 @@
                 <a16:creationId xmlns:a16="http://schemas.microsoft.com/office/drawing/2014/main" id="{9B57CCC6-06B1-7342-99B0-BC7C8FBE5E73}"/>
               </a:ext>
               <a:ext uri="{C183D7F6-B498-43B3-948B-1728B52AA6E4}">
-                <adec:decorative xmlns:adec="http://schemas.microsoft.com/office/drawing/2017/decorative" xmlns="" val="1"/>
+                <adec:decorative xmlns="" xmlns:adec="http://schemas.microsoft.com/office/drawing/2017/decorative" val="1"/>
               </a:ext>
             </a:extLst>
           </p:cNvPr>
@@ -5960,7 +5960,7 @@
                 <a16:creationId xmlns:a16="http://schemas.microsoft.com/office/drawing/2014/main" id="{23C87E7C-5ED2-214E-8A38-ED05177A65DC}"/>
               </a:ext>
               <a:ext uri="{C183D7F6-B498-43B3-948B-1728B52AA6E4}">
-                <adec:decorative xmlns:adec="http://schemas.microsoft.com/office/drawing/2017/decorative" xmlns="" val="1"/>
+                <adec:decorative xmlns="" xmlns:adec="http://schemas.microsoft.com/office/drawing/2017/decorative" val="1"/>
               </a:ext>
             </a:extLst>
           </p:cNvPr>
@@ -6729,7 +6729,7 @@
                 <a16:creationId xmlns:a16="http://schemas.microsoft.com/office/drawing/2014/main" id="{5CABBF0D-1BD1-F9E7-64FF-6B8D87E611B7}"/>
               </a:ext>
               <a:ext uri="{C183D7F6-B498-43B3-948B-1728B52AA6E4}">
-                <adec:decorative xmlns:adec="http://schemas.microsoft.com/office/drawing/2017/decorative" xmlns="" val="1"/>
+                <adec:decorative xmlns="" xmlns:adec="http://schemas.microsoft.com/office/drawing/2017/decorative" val="1"/>
               </a:ext>
             </a:extLst>
           </p:cNvPr>
@@ -7189,7 +7189,7 @@
                 <a16:creationId xmlns:a16="http://schemas.microsoft.com/office/drawing/2014/main" id="{B1C210DC-5DBB-4F0D-875F-CD8AAAB938CE}"/>
               </a:ext>
               <a:ext uri="{C183D7F6-B498-43B3-948B-1728B52AA6E4}">
-                <adec:decorative xmlns:adec="http://schemas.microsoft.com/office/drawing/2017/decorative" xmlns="" val="1"/>
+                <adec:decorative xmlns="" xmlns:adec="http://schemas.microsoft.com/office/drawing/2017/decorative" val="1"/>
               </a:ext>
             </a:extLst>
           </p:cNvPr>
@@ -7388,7 +7388,7 @@
                 <a16:creationId xmlns:a16="http://schemas.microsoft.com/office/drawing/2014/main" id="{6FECF9D0-D7A8-43DD-B38D-E1090C0B322F}"/>
               </a:ext>
               <a:ext uri="{C183D7F6-B498-43B3-948B-1728B52AA6E4}">
-                <adec:decorative xmlns:adec="http://schemas.microsoft.com/office/drawing/2017/decorative" xmlns="" val="1"/>
+                <adec:decorative xmlns="" xmlns:adec="http://schemas.microsoft.com/office/drawing/2017/decorative" val="1"/>
               </a:ext>
             </a:extLst>
           </p:cNvPr>
@@ -7601,7 +7601,7 @@
                 <a16:creationId xmlns:a16="http://schemas.microsoft.com/office/drawing/2014/main" id="{446F04B0-7860-407F-85B7-42E38FAFE34B}"/>
               </a:ext>
               <a:ext uri="{C183D7F6-B498-43B3-948B-1728B52AA6E4}">
-                <adec:decorative xmlns:adec="http://schemas.microsoft.com/office/drawing/2017/decorative" xmlns="" val="1"/>
+                <adec:decorative xmlns="" xmlns:adec="http://schemas.microsoft.com/office/drawing/2017/decorative" val="1"/>
               </a:ext>
             </a:extLst>
           </p:cNvPr>
@@ -8028,7 +8028,7 @@
                 <a16:creationId xmlns:a16="http://schemas.microsoft.com/office/drawing/2014/main" id="{085441A7-EBA5-4ABB-8D29-CE4338F0F9B5}"/>
               </a:ext>
               <a:ext uri="{C183D7F6-B498-43B3-948B-1728B52AA6E4}">
-                <adec:decorative xmlns:adec="http://schemas.microsoft.com/office/drawing/2017/decorative" xmlns="" val="1"/>
+                <adec:decorative xmlns="" xmlns:adec="http://schemas.microsoft.com/office/drawing/2017/decorative" val="1"/>
               </a:ext>
             </a:extLst>
           </p:cNvPr>
@@ -8245,7 +8245,7 @@
                 <a16:creationId xmlns:a16="http://schemas.microsoft.com/office/drawing/2014/main" id="{45D908EF-1F96-4808-A8DB-F55AB9E8E436}"/>
               </a:ext>
               <a:ext uri="{C183D7F6-B498-43B3-948B-1728B52AA6E4}">
-                <adec:decorative xmlns:adec="http://schemas.microsoft.com/office/drawing/2017/decorative" xmlns="" val="1"/>
+                <adec:decorative xmlns="" xmlns:adec="http://schemas.microsoft.com/office/drawing/2017/decorative" val="1"/>
               </a:ext>
             </a:extLst>
           </p:cNvPr>
@@ -8458,7 +8458,7 @@
                 <a16:creationId xmlns:a16="http://schemas.microsoft.com/office/drawing/2014/main" id="{5670C03F-6336-45E3-A9F4-0CD130D80D1B}"/>
               </a:ext>
               <a:ext uri="{C183D7F6-B498-43B3-948B-1728B52AA6E4}">
-                <adec:decorative xmlns:adec="http://schemas.microsoft.com/office/drawing/2017/decorative" xmlns="" val="1"/>
+                <adec:decorative xmlns="" xmlns:adec="http://schemas.microsoft.com/office/drawing/2017/decorative" val="1"/>
               </a:ext>
             </a:extLst>
           </p:cNvPr>
@@ -8671,7 +8671,7 @@
                 <a16:creationId xmlns:a16="http://schemas.microsoft.com/office/drawing/2014/main" id="{3019BB56-AE7C-42CA-A8FF-432F4F176B8B}"/>
               </a:ext>
               <a:ext uri="{C183D7F6-B498-43B3-948B-1728B52AA6E4}">
-                <adec:decorative xmlns:adec="http://schemas.microsoft.com/office/drawing/2017/decorative" xmlns="" val="1"/>
+                <adec:decorative xmlns="" xmlns:adec="http://schemas.microsoft.com/office/drawing/2017/decorative" val="1"/>
               </a:ext>
             </a:extLst>
           </p:cNvPr>
@@ -9098,7 +9098,7 @@
                 <a16:creationId xmlns:a16="http://schemas.microsoft.com/office/drawing/2014/main" id="{A1FDF9D3-5B68-4A75-97BF-2C5113CFAA66}"/>
               </a:ext>
               <a:ext uri="{C183D7F6-B498-43B3-948B-1728B52AA6E4}">
-                <adec:decorative xmlns:adec="http://schemas.microsoft.com/office/drawing/2017/decorative" xmlns="" val="1"/>
+                <adec:decorative xmlns="" xmlns:adec="http://schemas.microsoft.com/office/drawing/2017/decorative" val="1"/>
               </a:ext>
             </a:extLst>
           </p:cNvPr>
@@ -9297,7 +9297,7 @@
                 <a16:creationId xmlns:a16="http://schemas.microsoft.com/office/drawing/2014/main" id="{C551C90A-573F-4E4A-9359-5C7B0F546BF9}"/>
               </a:ext>
               <a:ext uri="{C183D7F6-B498-43B3-948B-1728B52AA6E4}">
-                <adec:decorative xmlns:adec="http://schemas.microsoft.com/office/drawing/2017/decorative" xmlns="" val="1"/>
+                <adec:decorative xmlns="" xmlns:adec="http://schemas.microsoft.com/office/drawing/2017/decorative" val="1"/>
               </a:ext>
             </a:extLst>
           </p:cNvPr>
@@ -9499,7 +9499,7 @@
                 <a16:creationId xmlns:a16="http://schemas.microsoft.com/office/drawing/2014/main" id="{AF79E162-3D8F-4829-A4AD-02A03597B11A}"/>
               </a:ext>
               <a:ext uri="{C183D7F6-B498-43B3-948B-1728B52AA6E4}">
-                <adec:decorative xmlns:adec="http://schemas.microsoft.com/office/drawing/2017/decorative" xmlns="" val="1"/>
+                <adec:decorative xmlns="" xmlns:adec="http://schemas.microsoft.com/office/drawing/2017/decorative" val="1"/>
               </a:ext>
             </a:extLst>
           </p:cNvPr>
@@ -9712,7 +9712,7 @@
                 <a16:creationId xmlns:a16="http://schemas.microsoft.com/office/drawing/2014/main" id="{026B9B36-08E7-4664-970C-13123F24C793}"/>
               </a:ext>
               <a:ext uri="{C183D7F6-B498-43B3-948B-1728B52AA6E4}">
-                <adec:decorative xmlns:adec="http://schemas.microsoft.com/office/drawing/2017/decorative" xmlns="" val="1"/>
+                <adec:decorative xmlns="" xmlns:adec="http://schemas.microsoft.com/office/drawing/2017/decorative" val="1"/>
               </a:ext>
             </a:extLst>
           </p:cNvPr>
@@ -9929,7 +9929,7 @@
                 <a16:creationId xmlns:a16="http://schemas.microsoft.com/office/drawing/2014/main" id="{7EAB1992-E472-4489-8A4E-A8FE45DE10CF}"/>
               </a:ext>
               <a:ext uri="{C183D7F6-B498-43B3-948B-1728B52AA6E4}">
-                <adec:decorative xmlns:adec="http://schemas.microsoft.com/office/drawing/2017/decorative" xmlns="" val="1"/>
+                <adec:decorative xmlns="" xmlns:adec="http://schemas.microsoft.com/office/drawing/2017/decorative" val="1"/>
               </a:ext>
             </a:extLst>
           </p:cNvPr>
@@ -10503,7 +10503,7 @@
           <a:blip r:embed="rId3">
             <a:extLst>
               <a:ext uri="{96DAC541-7B7A-43D3-8B79-37D633B846F1}">
-                <asvg:svgBlip xmlns:asvg="http://schemas.microsoft.com/office/drawing/2016/SVG/main" xmlns="" r:embed="rId4"/>
+                <asvg:svgBlip xmlns="" xmlns:asvg="http://schemas.microsoft.com/office/drawing/2016/SVG/main" r:embed="rId4"/>
               </a:ext>
             </a:extLst>
           </a:blip>
@@ -10688,7 +10688,7 @@
           <a:blip r:embed="rId3">
             <a:extLst>
               <a:ext uri="{96DAC541-7B7A-43D3-8B79-37D633B846F1}">
-                <asvg:svgBlip xmlns:asvg="http://schemas.microsoft.com/office/drawing/2016/SVG/main" xmlns="" r:embed="rId4"/>
+                <asvg:svgBlip xmlns="" xmlns:asvg="http://schemas.microsoft.com/office/drawing/2016/SVG/main" r:embed="rId4"/>
               </a:ext>
             </a:extLst>
           </a:blip>
@@ -10950,7 +10950,7 @@
           <a:blip r:embed="rId2">
             <a:extLst>
               <a:ext uri="{96DAC541-7B7A-43D3-8B79-37D633B846F1}">
-                <asvg:svgBlip xmlns:asvg="http://schemas.microsoft.com/office/drawing/2016/SVG/main" xmlns="" r:embed="rId3"/>
+                <asvg:svgBlip xmlns="" xmlns:asvg="http://schemas.microsoft.com/office/drawing/2016/SVG/main" r:embed="rId3"/>
               </a:ext>
             </a:extLst>
           </a:blip>
@@ -11203,7 +11203,7 @@
                 <a16:creationId xmlns:a16="http://schemas.microsoft.com/office/drawing/2014/main" id="{B59E37DB-3217-4772-AE8E-E9673A139975}"/>
               </a:ext>
               <a:ext uri="{C183D7F6-B498-43B3-948B-1728B52AA6E4}">
-                <adec:decorative xmlns:adec="http://schemas.microsoft.com/office/drawing/2017/decorative" xmlns="" val="1"/>
+                <adec:decorative xmlns="" xmlns:adec="http://schemas.microsoft.com/office/drawing/2017/decorative" val="1"/>
               </a:ext>
             </a:extLst>
           </p:cNvPr>
@@ -11252,7 +11252,7 @@
                 <a16:creationId xmlns:a16="http://schemas.microsoft.com/office/drawing/2014/main" id="{F0DFE264-D676-EA48-BBA7-F4F0331FA268}"/>
               </a:ext>
               <a:ext uri="{C183D7F6-B498-43B3-948B-1728B52AA6E4}">
-                <adec:decorative xmlns:adec="http://schemas.microsoft.com/office/drawing/2017/decorative" xmlns="" val="1"/>
+                <adec:decorative xmlns="" xmlns:adec="http://schemas.microsoft.com/office/drawing/2017/decorative" val="1"/>
               </a:ext>
             </a:extLst>
           </p:cNvPr>
@@ -11355,7 +11355,7 @@
                 <a16:creationId xmlns:a16="http://schemas.microsoft.com/office/drawing/2014/main" id="{A0BB7D6E-2488-A644-A910-415B17221FBC}"/>
               </a:ext>
               <a:ext uri="{C183D7F6-B498-43B3-948B-1728B52AA6E4}">
-                <adec:decorative xmlns:adec="http://schemas.microsoft.com/office/drawing/2017/decorative" xmlns="" val="1"/>
+                <adec:decorative xmlns="" xmlns:adec="http://schemas.microsoft.com/office/drawing/2017/decorative" val="1"/>
               </a:ext>
             </a:extLst>
           </p:cNvPr>
@@ -16304,7 +16304,7 @@
           <a:blip r:embed="rId2">
             <a:extLst>
               <a:ext uri="{96DAC541-7B7A-43D3-8B79-37D633B846F1}">
-                <asvg:svgBlip xmlns:asvg="http://schemas.microsoft.com/office/drawing/2016/SVG/main" xmlns="" r:embed="rId3"/>
+                <asvg:svgBlip xmlns="" xmlns:asvg="http://schemas.microsoft.com/office/drawing/2016/SVG/main" r:embed="rId3"/>
               </a:ext>
             </a:extLst>
           </a:blip>
@@ -18863,7 +18863,7 @@
           <a:blip r:embed="rId28">
             <a:extLst>
               <a:ext uri="{96DAC541-7B7A-43D3-8B79-37D633B846F1}">
-                <asvg:svgBlip xmlns:asvg="http://schemas.microsoft.com/office/drawing/2016/SVG/main" xmlns="" r:embed="rId29"/>
+                <asvg:svgBlip xmlns="" xmlns:asvg="http://schemas.microsoft.com/office/drawing/2016/SVG/main" r:embed="rId29"/>
               </a:ext>
             </a:extLst>
           </a:blip>
@@ -20971,15 +20971,7 @@
                   <a:schemeClr val="tx2"/>
                 </a:solidFill>
               </a:rPr>
-              <a:t> 301 session</a:t>
-            </a:r>
-            <a:r>
-              <a:rPr lang="en-US" dirty="0" smtClean="0">
-                <a:solidFill>
-                  <a:schemeClr val="tx2"/>
-                </a:solidFill>
-              </a:rPr>
-              <a:t>!</a:t>
+              <a:t> 301 session!</a:t>
             </a:r>
           </a:p>
           <a:p>
@@ -20996,11 +20988,6 @@
               </a:rPr>
               <a:t>Wednesday or Thursday</a:t>
             </a:r>
-            <a:endParaRPr lang="en-US" sz="1800" dirty="0" smtClean="0">
-              <a:solidFill>
-                <a:schemeClr val="tx2"/>
-              </a:solidFill>
-            </a:endParaRPr>
           </a:p>
         </p:txBody>
       </p:sp>
@@ -22132,7 +22119,15 @@
             </a:r>
             <a:r>
               <a:rPr lang="en-US" dirty="0" smtClean="0"/>
-              <a:t>Method“) –and ($_.name –like ‘*s’)}</a:t>
+              <a:t>Method“) –and ($_.name –</a:t>
+            </a:r>
+            <a:r>
+              <a:rPr lang="en-US" smtClean="0"/>
+              <a:t>like </a:t>
+            </a:r>
+            <a:r>
+              <a:rPr lang="en-US" smtClean="0"/>
+              <a:t>‘s*’)}</a:t>
             </a:r>
             <a:endParaRPr lang="en-US" dirty="0"/>
           </a:p>
@@ -24667,8 +24662,8 @@
         </p:nvSpPr>
         <p:spPr>
           <a:xfrm>
-            <a:off x="580291" y="3429000"/>
-            <a:ext cx="11608533" cy="1600200"/>
+            <a:off x="580292" y="3429000"/>
+            <a:ext cx="10108424" cy="1600200"/>
           </a:xfrm>
         </p:spPr>
         <p:txBody>
@@ -24684,17 +24679,30 @@
             <a:endParaRPr lang="en-US" sz="2000" dirty="0"/>
           </a:p>
           <a:p>
-            <a:r>
-              <a:rPr lang="en-US" sz="4400" dirty="0" smtClean="0"/>
-              <a:t>Join the VMware {code} Hackathon tonight!  </a:t>
-            </a:r>
-          </a:p>
-          <a:p>
-            <a:r>
-              <a:rPr lang="en-US" sz="4400" dirty="0" smtClean="0"/>
-              <a:t>7-11pm Hall G</a:t>
-            </a:r>
-            <a:endParaRPr lang="en-US" sz="4400" dirty="0"/>
+            <a:pPr algn="r"/>
+            <a:r>
+              <a:rPr lang="en-US" sz="3200" dirty="0" err="1" smtClean="0"/>
+              <a:t>PowerCLI</a:t>
+            </a:r>
+            <a:r>
+              <a:rPr lang="en-US" sz="3200" dirty="0" smtClean="0"/>
+              <a:t> 301 …</a:t>
+            </a:r>
+          </a:p>
+          <a:p>
+            <a:pPr algn="r"/>
+            <a:r>
+              <a:rPr lang="en-US" sz="3200" dirty="0" smtClean="0"/>
+              <a:t>3pm Today</a:t>
+            </a:r>
+          </a:p>
+          <a:p>
+            <a:pPr algn="r"/>
+            <a:r>
+              <a:rPr lang="en-US" sz="3200" dirty="0" smtClean="0"/>
+              <a:t>9:30 Tomorrow</a:t>
+            </a:r>
+            <a:endParaRPr lang="en-US" sz="3200" dirty="0"/>
           </a:p>
         </p:txBody>
       </p:sp>
@@ -27269,6 +27277,15 @@
 </file>
 
 <file path=customXml/item1.xml><?xml version="1.0" encoding="utf-8"?>
+<?mso-contentType ?>
+<FormTemplates xmlns="http://schemas.microsoft.com/sharepoint/v3/contenttype/forms">
+  <Display>DocumentLibraryForm</Display>
+  <Edit>DocumentLibraryForm</Edit>
+  <New>DocumentLibraryForm</New>
+</FormTemplates>
+</file>
+
+<file path=customXml/item2.xml><?xml version="1.0" encoding="utf-8"?>
 <ct:contentTypeSchema xmlns:ct="http://schemas.microsoft.com/office/2006/metadata/contentType" xmlns:ma="http://schemas.microsoft.com/office/2006/metadata/properties/metaAttributes" ct:_="" ma:_="" ma:contentTypeName="Document" ma:contentTypeID="0x0101008B3F91C0C4ECEE479555FEA4A4EB2B48" ma:contentTypeVersion="15" ma:contentTypeDescription="Create a new document." ma:contentTypeScope="" ma:versionID="c6a87b1e4bc033b72f454e04dac54d88">
   <xsd:schema xmlns:xsd="http://www.w3.org/2001/XMLSchema" xmlns:xs="http://www.w3.org/2001/XMLSchema" xmlns:p="http://schemas.microsoft.com/office/2006/metadata/properties" xmlns:ns2="34d4d772-b3f2-47fc-9a2d-2126f9957ae8" xmlns:ns3="d345b56e-75a0-4ca8-9b4b-110cb999efd5" targetNamespace="http://schemas.microsoft.com/office/2006/metadata/properties" ma:root="true" ma:fieldsID="6eb14a52ad1190b1f78ecaeae027f828" ns2:_="" ns3:_="">
     <xsd:import namespace="34d4d772-b3f2-47fc-9a2d-2126f9957ae8"/>
@@ -27503,15 +27520,6 @@
 </ct:contentTypeSchema>
 </file>
 
-<file path=customXml/item2.xml><?xml version="1.0" encoding="utf-8"?>
-<?mso-contentType ?>
-<FormTemplates xmlns="http://schemas.microsoft.com/sharepoint/v3/contenttype/forms">
-  <Display>DocumentLibraryForm</Display>
-  <Edit>DocumentLibraryForm</Edit>
-  <New>DocumentLibraryForm</New>
-</FormTemplates>
-</file>
-
 <file path=customXml/item3.xml><?xml version="1.0" encoding="utf-8"?>
 <p:properties xmlns:p="http://schemas.microsoft.com/office/2006/metadata/properties" xmlns:xsi="http://www.w3.org/2001/XMLSchema-instance" xmlns:pc="http://schemas.microsoft.com/office/infopath/2007/PartnerControls">
   <documentManagement>
@@ -27536,6 +27544,14 @@
 </file>
 
 <file path=customXml/itemProps1.xml><?xml version="1.0" encoding="utf-8"?>
+<ds:datastoreItem xmlns:ds="http://schemas.openxmlformats.org/officeDocument/2006/customXml" ds:itemID="{BAD99180-4DF7-4231-B572-5E5D5B192DA4}">
+  <ds:schemaRefs>
+    <ds:schemaRef ds:uri="http://schemas.microsoft.com/sharepoint/v3/contenttype/forms"/>
+  </ds:schemaRefs>
+</ds:datastoreItem>
+</file>
+
+<file path=customXml/itemProps2.xml><?xml version="1.0" encoding="utf-8"?>
 <ds:datastoreItem xmlns:ds="http://schemas.openxmlformats.org/officeDocument/2006/customXml" ds:itemID="{28FF4D8F-9B19-4DA8-8A71-562BBA95DCB6}">
   <ds:schemaRefs>
     <ds:schemaRef ds:uri="http://schemas.microsoft.com/office/2006/metadata/contentType"/>
@@ -27550,14 +27566,6 @@
     <ds:schemaRef ds:uri="http://purl.org/dc/elements/1.1/"/>
     <ds:schemaRef ds:uri="http://purl.org/dc/terms/"/>
     <ds:schemaRef ds:uri="http://schemas.microsoft.com/internal/obd"/>
-  </ds:schemaRefs>
-</ds:datastoreItem>
-</file>
-
-<file path=customXml/itemProps2.xml><?xml version="1.0" encoding="utf-8"?>
-<ds:datastoreItem xmlns:ds="http://schemas.openxmlformats.org/officeDocument/2006/customXml" ds:itemID="{BAD99180-4DF7-4231-B572-5E5D5B192DA4}">
-  <ds:schemaRefs>
-    <ds:schemaRef ds:uri="http://schemas.microsoft.com/sharepoint/v3/contenttype/forms"/>
   </ds:schemaRefs>
 </ds:datastoreItem>
 </file>
